--- a/survey topic/SDNOpenFlow.pptx
+++ b/survey topic/SDNOpenFlow.pptx
@@ -5367,13 +5367,13 @@
   <p:clrMapOvr>
     <a:masterClrMapping/>
   </p:clrMapOvr>
-  <mc:AlternateContent xmlns:mc="http://schemas.openxmlformats.org/markup-compatibility/2006">
-    <mc:Choice xmlns:p14="http://schemas.microsoft.com/office/powerpoint/2010/main" Requires="p14">
+  <mc:AlternateContent xmlns:mc="http://schemas.openxmlformats.org/markup-compatibility/2006" xmlns:p14="http://schemas.microsoft.com/office/powerpoint/2010/main">
+    <mc:Choice Requires="p14">
       <p:transition spd="med" p14:dur="700">
         <p:fade/>
       </p:transition>
     </mc:Choice>
-    <mc:Fallback>
+    <mc:Fallback xmlns="">
       <p:transition spd="med">
         <p:fade/>
       </p:transition>
@@ -5519,7 +5519,10 @@
           <a:bodyPr/>
           <a:lstStyle/>
           <a:p>
-            <a:endParaRPr lang="en-US"/>
+            <a:endParaRPr lang="en-US" dirty="0" smtClean="0"/>
+          </a:p>
+          <a:p>
+            <a:endParaRPr lang="en-US" dirty="0"/>
           </a:p>
         </p:txBody>
       </p:sp>
@@ -5579,13 +5582,13 @@
   <p:clrMapOvr>
     <a:masterClrMapping/>
   </p:clrMapOvr>
-  <mc:AlternateContent xmlns:mc="http://schemas.openxmlformats.org/markup-compatibility/2006">
-    <mc:Choice xmlns:p14="http://schemas.microsoft.com/office/powerpoint/2010/main" Requires="p14">
+  <mc:AlternateContent xmlns:mc="http://schemas.openxmlformats.org/markup-compatibility/2006" xmlns:p14="http://schemas.microsoft.com/office/powerpoint/2010/main">
+    <mc:Choice Requires="p14">
       <p:transition spd="med" p14:dur="700">
         <p:fade/>
       </p:transition>
     </mc:Choice>
-    <mc:Fallback>
+    <mc:Fallback xmlns="">
       <p:transition spd="med">
         <p:fade/>
       </p:transition>
@@ -5626,7 +5629,24 @@
           <a:bodyPr/>
           <a:lstStyle/>
           <a:p>
-            <a:endParaRPr lang="en-US"/>
+            <a:r>
+              <a:rPr lang="en-US" dirty="0" smtClean="0"/>
+              <a:t>Routing Problems</a:t>
+            </a:r>
+          </a:p>
+          <a:p>
+            <a:pPr lvl="1"/>
+            <a:r>
+              <a:rPr lang="en-US" dirty="0" smtClean="0"/>
+              <a:t>Count to infinity</a:t>
+            </a:r>
+          </a:p>
+          <a:p>
+            <a:r>
+              <a:rPr lang="en-US" dirty="0" smtClean="0"/>
+              <a:t>Network Topology</a:t>
+            </a:r>
+            <a:endParaRPr lang="en-US" dirty="0"/>
           </a:p>
         </p:txBody>
       </p:sp>
@@ -5686,13 +5706,13 @@
   <p:clrMapOvr>
     <a:masterClrMapping/>
   </p:clrMapOvr>
-  <mc:AlternateContent xmlns:mc="http://schemas.openxmlformats.org/markup-compatibility/2006">
-    <mc:Choice xmlns:p14="http://schemas.microsoft.com/office/powerpoint/2010/main" Requires="p14">
+  <mc:AlternateContent xmlns:mc="http://schemas.openxmlformats.org/markup-compatibility/2006" xmlns:p14="http://schemas.microsoft.com/office/powerpoint/2010/main">
+    <mc:Choice Requires="p14">
       <p:transition spd="med" p14:dur="700">
         <p:fade/>
       </p:transition>
     </mc:Choice>
-    <mc:Fallback>
+    <mc:Fallback xmlns="">
       <p:transition spd="med">
         <p:fade/>
       </p:transition>
@@ -5728,12 +5748,21 @@
             <p:ph idx="1"/>
           </p:nvPr>
         </p:nvSpPr>
-        <p:spPr/>
+        <p:spPr>
+          <a:xfrm>
+            <a:off x="1219200" y="2590800"/>
+            <a:ext cx="6629400" cy="2895600"/>
+          </a:xfrm>
+        </p:spPr>
         <p:txBody>
           <a:bodyPr/>
           <a:lstStyle/>
           <a:p>
-            <a:endParaRPr lang="en-US"/>
+            <a:r>
+              <a:rPr lang="en-US" sz="6000" dirty="0" smtClean="0"/>
+              <a:t>Graphic of networking flow goes here</a:t>
+            </a:r>
+            <a:endParaRPr lang="en-US" sz="6000" dirty="0"/>
           </a:p>
         </p:txBody>
       </p:sp>
@@ -5793,13 +5822,13 @@
   <p:clrMapOvr>
     <a:masterClrMapping/>
   </p:clrMapOvr>
-  <mc:AlternateContent xmlns:mc="http://schemas.openxmlformats.org/markup-compatibility/2006">
-    <mc:Choice xmlns:p14="http://schemas.microsoft.com/office/powerpoint/2010/main" Requires="p14">
+  <mc:AlternateContent xmlns:mc="http://schemas.openxmlformats.org/markup-compatibility/2006" xmlns:p14="http://schemas.microsoft.com/office/powerpoint/2010/main">
+    <mc:Choice Requires="p14">
       <p:transition spd="med" p14:dur="700">
         <p:fade/>
       </p:transition>
     </mc:Choice>
-    <mc:Fallback>
+    <mc:Fallback xmlns="">
       <p:transition spd="med">
         <p:fade/>
       </p:transition>
@@ -5891,13 +5920,13 @@
   <p:clrMapOvr>
     <a:masterClrMapping/>
   </p:clrMapOvr>
-  <mc:AlternateContent xmlns:mc="http://schemas.openxmlformats.org/markup-compatibility/2006">
-    <mc:Choice xmlns:p14="http://schemas.microsoft.com/office/powerpoint/2010/main" Requires="p14">
+  <mc:AlternateContent xmlns:mc="http://schemas.openxmlformats.org/markup-compatibility/2006" xmlns:p14="http://schemas.microsoft.com/office/powerpoint/2010/main">
+    <mc:Choice Requires="p14">
       <p:transition spd="med" p14:dur="700" advTm="1123">
         <p:fade/>
       </p:transition>
     </mc:Choice>
-    <mc:Fallback>
+    <mc:Fallback xmlns="">
       <p:transition spd="med" advTm="1123">
         <p:fade/>
       </p:transition>
@@ -5945,7 +5974,17 @@
           <a:bodyPr/>
           <a:lstStyle/>
           <a:p>
-            <a:endParaRPr lang="en-US"/>
+            <a:r>
+              <a:rPr lang="en-US" dirty="0" smtClean="0"/>
+              <a:t>Routing</a:t>
+            </a:r>
+          </a:p>
+          <a:p>
+            <a:r>
+              <a:rPr lang="en-US" dirty="0" smtClean="0"/>
+              <a:t>Network Topology</a:t>
+            </a:r>
+            <a:endParaRPr lang="en-US" dirty="0"/>
           </a:p>
         </p:txBody>
       </p:sp>
@@ -6005,13 +6044,13 @@
   <p:clrMapOvr>
     <a:masterClrMapping/>
   </p:clrMapOvr>
-  <mc:AlternateContent xmlns:mc="http://schemas.openxmlformats.org/markup-compatibility/2006">
-    <mc:Choice xmlns:p14="http://schemas.microsoft.com/office/powerpoint/2010/main" Requires="p14">
+  <mc:AlternateContent xmlns:mc="http://schemas.openxmlformats.org/markup-compatibility/2006" xmlns:p14="http://schemas.microsoft.com/office/powerpoint/2010/main">
+    <mc:Choice Requires="p14">
       <p:transition spd="med" p14:dur="700">
         <p:fade/>
       </p:transition>
     </mc:Choice>
-    <mc:Fallback>
+    <mc:Fallback xmlns="">
       <p:transition spd="med">
         <p:fade/>
       </p:transition>
@@ -6052,7 +6091,25 @@
           <a:bodyPr/>
           <a:lstStyle/>
           <a:p>
-            <a:endParaRPr lang="en-US"/>
+            <a:r>
+              <a:rPr lang="en-US" dirty="0" smtClean="0"/>
+              <a:t>Single point of failure</a:t>
+            </a:r>
+          </a:p>
+          <a:p>
+            <a:r>
+              <a:rPr lang="en-US" dirty="0" smtClean="0"/>
+              <a:t>Finding a viable, scalable, universal protocol for all switches/ controllers to talk through (currently </a:t>
+            </a:r>
+            <a:r>
+              <a:rPr lang="en-US" dirty="0" err="1" smtClean="0"/>
+              <a:t>OpenFlow</a:t>
+            </a:r>
+            <a:r>
+              <a:rPr lang="en-US" smtClean="0"/>
+              <a:t>, but it is weird)</a:t>
+            </a:r>
+            <a:endParaRPr lang="en-US" dirty="0"/>
           </a:p>
         </p:txBody>
       </p:sp>
@@ -6112,13 +6169,13 @@
   <p:clrMapOvr>
     <a:masterClrMapping/>
   </p:clrMapOvr>
-  <mc:AlternateContent xmlns:mc="http://schemas.openxmlformats.org/markup-compatibility/2006">
-    <mc:Choice xmlns:p14="http://schemas.microsoft.com/office/powerpoint/2010/main" Requires="p14">
+  <mc:AlternateContent xmlns:mc="http://schemas.openxmlformats.org/markup-compatibility/2006" xmlns:p14="http://schemas.microsoft.com/office/powerpoint/2010/main">
+    <mc:Choice Requires="p14">
       <p:transition spd="med" p14:dur="700">
         <p:fade/>
       </p:transition>
     </mc:Choice>
-    <mc:Fallback>
+    <mc:Fallback xmlns="">
       <p:transition spd="med">
         <p:fade/>
       </p:transition>
@@ -6146,25 +6203,6 @@
       </p:grpSpPr>
       <p:sp>
         <p:nvSpPr>
-          <p:cNvPr id="2" name="Content Placeholder 1"/>
-          <p:cNvSpPr>
-            <a:spLocks noGrp="1"/>
-          </p:cNvSpPr>
-          <p:nvPr>
-            <p:ph idx="1"/>
-          </p:nvPr>
-        </p:nvSpPr>
-        <p:spPr/>
-        <p:txBody>
-          <a:bodyPr/>
-          <a:lstStyle/>
-          <a:p>
-            <a:endParaRPr lang="en-US"/>
-          </a:p>
-        </p:txBody>
-      </p:sp>
-      <p:sp>
-        <p:nvSpPr>
           <p:cNvPr id="3" name="Title 2"/>
           <p:cNvSpPr>
             <a:spLocks noGrp="1"/>
@@ -6235,6 +6273,34 @@
           </a:p>
         </p:txBody>
       </p:sp>
+      <p:sp>
+        <p:nvSpPr>
+          <p:cNvPr id="6" name="Content Placeholder 1"/>
+          <p:cNvSpPr>
+            <a:spLocks noGrp="1"/>
+          </p:cNvSpPr>
+          <p:nvPr>
+            <p:ph idx="1"/>
+          </p:nvPr>
+        </p:nvSpPr>
+        <p:spPr>
+          <a:xfrm>
+            <a:off x="1219200" y="2590800"/>
+            <a:ext cx="6629400" cy="2895600"/>
+          </a:xfrm>
+        </p:spPr>
+        <p:txBody>
+          <a:bodyPr/>
+          <a:lstStyle/>
+          <a:p>
+            <a:r>
+              <a:rPr lang="en-US" sz="6000" dirty="0" smtClean="0"/>
+              <a:t>Graphic of networking flow goes here</a:t>
+            </a:r>
+            <a:endParaRPr lang="en-US" sz="6000" dirty="0"/>
+          </a:p>
+        </p:txBody>
+      </p:sp>
     </p:spTree>
     <p:extLst>
       <p:ext uri="{BB962C8B-B14F-4D97-AF65-F5344CB8AC3E}">
@@ -6245,13 +6311,13 @@
   <p:clrMapOvr>
     <a:masterClrMapping/>
   </p:clrMapOvr>
-  <mc:AlternateContent xmlns:mc="http://schemas.openxmlformats.org/markup-compatibility/2006">
-    <mc:Choice xmlns:p14="http://schemas.microsoft.com/office/powerpoint/2010/main" Requires="p14">
+  <mc:AlternateContent xmlns:mc="http://schemas.openxmlformats.org/markup-compatibility/2006" xmlns:p14="http://schemas.microsoft.com/office/powerpoint/2010/main">
+    <mc:Choice Requires="p14">
       <p:transition spd="med" p14:dur="700">
         <p:fade/>
       </p:transition>
     </mc:Choice>
-    <mc:Fallback>
+    <mc:Fallback xmlns="">
       <p:transition spd="med">
         <p:fade/>
       </p:transition>

--- a/survey topic/SDNOpenFlow.pptx
+++ b/survey topic/SDNOpenFlow.pptx
@@ -5976,6 +5976,12 @@
           <a:p>
             <a:r>
               <a:rPr lang="en-US" dirty="0" smtClean="0"/>
+              <a:t>Define SDN</a:t>
+            </a:r>
+          </a:p>
+          <a:p>
+            <a:r>
+              <a:rPr lang="en-US" dirty="0" smtClean="0"/>
               <a:t>Routing</a:t>
             </a:r>
           </a:p>
@@ -6107,7 +6113,7 @@
             </a:r>
             <a:r>
               <a:rPr lang="en-US" smtClean="0"/>
-              <a:t>, but it is weird)</a:t>
+              <a:t>, Define it)</a:t>
             </a:r>
             <a:endParaRPr lang="en-US" dirty="0"/>
           </a:p>

--- a/survey topic/SDNOpenFlow.pptx
+++ b/survey topic/SDNOpenFlow.pptx
@@ -5,22 +5,28 @@
     <p:sldMasterId id="2147483648" r:id="rId1"/>
   </p:sldMasterIdLst>
   <p:notesMasterIdLst>
-    <p:notesMasterId r:id="rId12"/>
+    <p:notesMasterId r:id="rId18"/>
   </p:notesMasterIdLst>
   <p:handoutMasterIdLst>
-    <p:handoutMasterId r:id="rId13"/>
+    <p:handoutMasterId r:id="rId19"/>
   </p:handoutMasterIdLst>
   <p:sldIdLst>
     <p:sldId id="256" r:id="rId2"/>
-    <p:sldId id="257" r:id="rId3"/>
-    <p:sldId id="258" r:id="rId4"/>
-    <p:sldId id="259" r:id="rId5"/>
-    <p:sldId id="260" r:id="rId6"/>
-    <p:sldId id="261" r:id="rId7"/>
-    <p:sldId id="262" r:id="rId8"/>
-    <p:sldId id="263" r:id="rId9"/>
-    <p:sldId id="264" r:id="rId10"/>
-    <p:sldId id="265" r:id="rId11"/>
+    <p:sldId id="266" r:id="rId3"/>
+    <p:sldId id="257" r:id="rId4"/>
+    <p:sldId id="258" r:id="rId5"/>
+    <p:sldId id="259" r:id="rId6"/>
+    <p:sldId id="260" r:id="rId7"/>
+    <p:sldId id="261" r:id="rId8"/>
+    <p:sldId id="262" r:id="rId9"/>
+    <p:sldId id="263" r:id="rId10"/>
+    <p:sldId id="264" r:id="rId11"/>
+    <p:sldId id="267" r:id="rId12"/>
+    <p:sldId id="268" r:id="rId13"/>
+    <p:sldId id="269" r:id="rId14"/>
+    <p:sldId id="270" r:id="rId15"/>
+    <p:sldId id="271" r:id="rId16"/>
+    <p:sldId id="265" r:id="rId17"/>
   </p:sldIdLst>
   <p:sldSz cx="9144000" cy="6858000" type="screen4x3"/>
   <p:notesSz cx="6858000" cy="9144000"/>
@@ -235,7 +241,7 @@
             <a:fld id="{604DFA23-2E58-4859-A5BC-246126C12C4B}" type="datetimeFigureOut">
               <a:rPr lang="en-US" smtClean="0"/>
               <a:pPr/>
-              <a:t>12/1/15</a:t>
+              <a:t>2015-12-03</a:t>
             </a:fld>
             <a:endParaRPr lang="en-US"/>
           </a:p>
@@ -402,7 +408,7 @@
             <a:fld id="{81466787-A5C5-4A6E-B0B8-4A343AF81BB5}" type="datetimeFigureOut">
               <a:rPr lang="en-US" smtClean="0"/>
               <a:pPr/>
-              <a:t>12/1/15</a:t>
+              <a:t>2015-12-03</a:t>
             </a:fld>
             <a:endParaRPr lang="en-US"/>
           </a:p>
@@ -758,6 +764,1343 @@
 </p:notes>
 </file>
 
+<file path=ppt/notesSlides/notesSlide10.xml><?xml version="1.0" encoding="utf-8"?>
+<p:notes xmlns:a="http://schemas.openxmlformats.org/drawingml/2006/main" xmlns:r="http://schemas.openxmlformats.org/officeDocument/2006/relationships" xmlns:p="http://schemas.openxmlformats.org/presentationml/2006/main">
+  <p:cSld>
+    <p:spTree>
+      <p:nvGrpSpPr>
+        <p:cNvPr id="1" name=""/>
+        <p:cNvGrpSpPr/>
+        <p:nvPr/>
+      </p:nvGrpSpPr>
+      <p:grpSpPr>
+        <a:xfrm>
+          <a:off x="0" y="0"/>
+          <a:ext cx="0" cy="0"/>
+          <a:chOff x="0" y="0"/>
+          <a:chExt cx="0" cy="0"/>
+        </a:xfrm>
+      </p:grpSpPr>
+      <p:sp>
+        <p:nvSpPr>
+          <p:cNvPr id="2" name="Slide Image Placeholder 1"/>
+          <p:cNvSpPr>
+            <a:spLocks noGrp="1" noRot="1" noChangeAspect="1"/>
+          </p:cNvSpPr>
+          <p:nvPr>
+            <p:ph type="sldImg"/>
+          </p:nvPr>
+        </p:nvSpPr>
+        <p:spPr/>
+      </p:sp>
+      <p:sp>
+        <p:nvSpPr>
+          <p:cNvPr id="3" name="Notes Placeholder 2"/>
+          <p:cNvSpPr>
+            <a:spLocks noGrp="1"/>
+          </p:cNvSpPr>
+          <p:nvPr>
+            <p:ph type="body" idx="1"/>
+          </p:nvPr>
+        </p:nvSpPr>
+        <p:spPr/>
+        <p:txBody>
+          <a:bodyPr/>
+          <a:lstStyle/>
+          <a:p>
+            <a:pPr marL="0" marR="0" indent="0" algn="l" defTabSz="914400" rtl="0" eaLnBrk="1" fontAlgn="auto" latinLnBrk="0" hangingPunct="1">
+              <a:lnSpc>
+                <a:spcPct val="100000"/>
+              </a:lnSpc>
+              <a:spcBef>
+                <a:spcPts val="0"/>
+              </a:spcBef>
+              <a:spcAft>
+                <a:spcPts val="0"/>
+              </a:spcAft>
+              <a:buClrTx/>
+              <a:buSzTx/>
+              <a:buFontTx/>
+              <a:buNone/>
+              <a:tabLst/>
+              <a:defRPr/>
+            </a:pPr>
+            <a:r>
+              <a:rPr lang="en-US" sz="1200" b="0" i="0" u="none" strike="noStrike" kern="1200" dirty="0" smtClean="0">
+                <a:solidFill>
+                  <a:schemeClr val="tx1"/>
+                </a:solidFill>
+                <a:effectLst/>
+                <a:latin typeface="+mn-lt"/>
+                <a:ea typeface="+mn-ea"/>
+                <a:cs typeface="+mn-cs"/>
+              </a:rPr>
+              <a:t>This Picture is to show the general idea of SDN, the specific flow of </a:t>
+            </a:r>
+            <a:r>
+              <a:rPr lang="en-US" sz="1200" b="0" i="0" u="none" strike="noStrike" kern="1200" dirty="0" err="1" smtClean="0">
+                <a:solidFill>
+                  <a:schemeClr val="tx1"/>
+                </a:solidFill>
+                <a:effectLst/>
+                <a:latin typeface="+mn-lt"/>
+                <a:ea typeface="+mn-ea"/>
+                <a:cs typeface="+mn-cs"/>
+              </a:rPr>
+              <a:t>OpenFlow</a:t>
+            </a:r>
+            <a:r>
+              <a:rPr lang="en-US" sz="1200" b="0" i="0" u="none" strike="noStrike" kern="1200" dirty="0" smtClean="0">
+                <a:solidFill>
+                  <a:schemeClr val="tx1"/>
+                </a:solidFill>
+                <a:effectLst/>
+                <a:latin typeface="+mn-lt"/>
+                <a:ea typeface="+mn-ea"/>
+                <a:cs typeface="+mn-cs"/>
+              </a:rPr>
+              <a:t> and </a:t>
+            </a:r>
+            <a:r>
+              <a:rPr lang="en-US" sz="1200" b="0" i="0" u="none" strike="noStrike" kern="1200" dirty="0" err="1" smtClean="0">
+                <a:solidFill>
+                  <a:schemeClr val="tx1"/>
+                </a:solidFill>
+                <a:effectLst/>
+                <a:latin typeface="+mn-lt"/>
+                <a:ea typeface="+mn-ea"/>
+                <a:cs typeface="+mn-cs"/>
+              </a:rPr>
+              <a:t>OpenDaylight</a:t>
+            </a:r>
+            <a:r>
+              <a:rPr lang="en-US" sz="1200" b="0" i="0" u="none" strike="noStrike" kern="1200" dirty="0" smtClean="0">
+                <a:solidFill>
+                  <a:schemeClr val="tx1"/>
+                </a:solidFill>
+                <a:effectLst/>
+                <a:latin typeface="+mn-lt"/>
+                <a:ea typeface="+mn-ea"/>
+                <a:cs typeface="+mn-cs"/>
+              </a:rPr>
+              <a:t> will be after the </a:t>
+            </a:r>
+            <a:r>
+              <a:rPr lang="en-US" sz="1200" b="0" i="0" u="none" strike="noStrike" kern="1200" dirty="0" err="1" smtClean="0">
+                <a:solidFill>
+                  <a:schemeClr val="tx1"/>
+                </a:solidFill>
+                <a:effectLst/>
+                <a:latin typeface="+mn-lt"/>
+                <a:ea typeface="+mn-ea"/>
+                <a:cs typeface="+mn-cs"/>
+              </a:rPr>
+              <a:t>OpenFlow</a:t>
+            </a:r>
+            <a:r>
+              <a:rPr lang="en-US" sz="1200" b="0" i="0" u="none" strike="noStrike" kern="1200" dirty="0" smtClean="0">
+                <a:solidFill>
+                  <a:schemeClr val="tx1"/>
+                </a:solidFill>
+                <a:effectLst/>
+                <a:latin typeface="+mn-lt"/>
+                <a:ea typeface="+mn-ea"/>
+                <a:cs typeface="+mn-cs"/>
+              </a:rPr>
+              <a:t> slides</a:t>
+            </a:r>
+            <a:endParaRPr lang="en-US" dirty="0" smtClean="0">
+              <a:effectLst/>
+            </a:endParaRPr>
+          </a:p>
+        </p:txBody>
+      </p:sp>
+      <p:sp>
+        <p:nvSpPr>
+          <p:cNvPr id="4" name="Slide Number Placeholder 3"/>
+          <p:cNvSpPr>
+            <a:spLocks noGrp="1"/>
+          </p:cNvSpPr>
+          <p:nvPr>
+            <p:ph type="sldNum" sz="quarter" idx="10"/>
+          </p:nvPr>
+        </p:nvSpPr>
+        <p:spPr/>
+        <p:txBody>
+          <a:bodyPr/>
+          <a:lstStyle/>
+          <a:p>
+            <a:fld id="{1FB3F3BB-132B-418B-8D02-CAC6A9422A35}" type="slidenum">
+              <a:rPr lang="en-US" smtClean="0"/>
+              <a:pPr/>
+              <a:t>10</a:t>
+            </a:fld>
+            <a:endParaRPr lang="en-US"/>
+          </a:p>
+        </p:txBody>
+      </p:sp>
+    </p:spTree>
+    <p:extLst>
+      <p:ext uri="{BB962C8B-B14F-4D97-AF65-F5344CB8AC3E}">
+        <p14:creationId xmlns:p14="http://schemas.microsoft.com/office/powerpoint/2010/main" val="2468667893"/>
+      </p:ext>
+    </p:extLst>
+  </p:cSld>
+  <p:clrMapOvr>
+    <a:masterClrMapping/>
+  </p:clrMapOvr>
+</p:notes>
+</file>
+
+<file path=ppt/notesSlides/notesSlide11.xml><?xml version="1.0" encoding="utf-8"?>
+<p:notes xmlns:a="http://schemas.openxmlformats.org/drawingml/2006/main" xmlns:r="http://schemas.openxmlformats.org/officeDocument/2006/relationships" xmlns:p="http://schemas.openxmlformats.org/presentationml/2006/main">
+  <p:cSld>
+    <p:spTree>
+      <p:nvGrpSpPr>
+        <p:cNvPr id="1" name=""/>
+        <p:cNvGrpSpPr/>
+        <p:nvPr/>
+      </p:nvGrpSpPr>
+      <p:grpSpPr>
+        <a:xfrm>
+          <a:off x="0" y="0"/>
+          <a:ext cx="0" cy="0"/>
+          <a:chOff x="0" y="0"/>
+          <a:chExt cx="0" cy="0"/>
+        </a:xfrm>
+      </p:grpSpPr>
+      <p:sp>
+        <p:nvSpPr>
+          <p:cNvPr id="2" name="Slide Image Placeholder 1"/>
+          <p:cNvSpPr>
+            <a:spLocks noGrp="1" noRot="1" noChangeAspect="1"/>
+          </p:cNvSpPr>
+          <p:nvPr>
+            <p:ph type="sldImg"/>
+          </p:nvPr>
+        </p:nvSpPr>
+        <p:spPr/>
+      </p:sp>
+      <p:sp>
+        <p:nvSpPr>
+          <p:cNvPr id="3" name="Notes Placeholder 2"/>
+          <p:cNvSpPr>
+            <a:spLocks noGrp="1"/>
+          </p:cNvSpPr>
+          <p:nvPr>
+            <p:ph type="body" idx="1"/>
+          </p:nvPr>
+        </p:nvSpPr>
+        <p:spPr/>
+        <p:txBody>
+          <a:bodyPr/>
+          <a:lstStyle/>
+          <a:p>
+            <a:endParaRPr lang="en-US" dirty="0"/>
+          </a:p>
+        </p:txBody>
+      </p:sp>
+      <p:sp>
+        <p:nvSpPr>
+          <p:cNvPr id="4" name="Slide Number Placeholder 3"/>
+          <p:cNvSpPr>
+            <a:spLocks noGrp="1"/>
+          </p:cNvSpPr>
+          <p:nvPr>
+            <p:ph type="sldNum" sz="quarter" idx="10"/>
+          </p:nvPr>
+        </p:nvSpPr>
+        <p:spPr/>
+        <p:txBody>
+          <a:bodyPr/>
+          <a:lstStyle/>
+          <a:p>
+            <a:fld id="{1FB3F3BB-132B-418B-8D02-CAC6A9422A35}" type="slidenum">
+              <a:rPr lang="en-US" smtClean="0"/>
+              <a:pPr/>
+              <a:t>11</a:t>
+            </a:fld>
+            <a:endParaRPr lang="en-US"/>
+          </a:p>
+        </p:txBody>
+      </p:sp>
+    </p:spTree>
+    <p:extLst>
+      <p:ext uri="{BB962C8B-B14F-4D97-AF65-F5344CB8AC3E}">
+        <p14:creationId xmlns:p14="http://schemas.microsoft.com/office/powerpoint/2010/main" val="2491879973"/>
+      </p:ext>
+    </p:extLst>
+  </p:cSld>
+  <p:clrMapOvr>
+    <a:masterClrMapping/>
+  </p:clrMapOvr>
+</p:notes>
+</file>
+
+<file path=ppt/notesSlides/notesSlide12.xml><?xml version="1.0" encoding="utf-8"?>
+<p:notes xmlns:a="http://schemas.openxmlformats.org/drawingml/2006/main" xmlns:r="http://schemas.openxmlformats.org/officeDocument/2006/relationships" xmlns:p="http://schemas.openxmlformats.org/presentationml/2006/main">
+  <p:cSld>
+    <p:spTree>
+      <p:nvGrpSpPr>
+        <p:cNvPr id="1" name=""/>
+        <p:cNvGrpSpPr/>
+        <p:nvPr/>
+      </p:nvGrpSpPr>
+      <p:grpSpPr>
+        <a:xfrm>
+          <a:off x="0" y="0"/>
+          <a:ext cx="0" cy="0"/>
+          <a:chOff x="0" y="0"/>
+          <a:chExt cx="0" cy="0"/>
+        </a:xfrm>
+      </p:grpSpPr>
+      <p:sp>
+        <p:nvSpPr>
+          <p:cNvPr id="2" name="Slide Image Placeholder 1"/>
+          <p:cNvSpPr>
+            <a:spLocks noGrp="1" noRot="1" noChangeAspect="1"/>
+          </p:cNvSpPr>
+          <p:nvPr>
+            <p:ph type="sldImg"/>
+          </p:nvPr>
+        </p:nvSpPr>
+        <p:spPr/>
+      </p:sp>
+      <p:sp>
+        <p:nvSpPr>
+          <p:cNvPr id="3" name="Notes Placeholder 2"/>
+          <p:cNvSpPr>
+            <a:spLocks noGrp="1"/>
+          </p:cNvSpPr>
+          <p:nvPr>
+            <p:ph type="body" idx="1"/>
+          </p:nvPr>
+        </p:nvSpPr>
+        <p:spPr/>
+        <p:txBody>
+          <a:bodyPr/>
+          <a:lstStyle/>
+          <a:p>
+            <a:pPr rtl="0"/>
+            <a:r>
+              <a:rPr lang="en-US" sz="1200" b="0" i="0" u="none" strike="noStrike" kern="1200" dirty="0" smtClean="0">
+                <a:solidFill>
+                  <a:schemeClr val="tx1"/>
+                </a:solidFill>
+                <a:effectLst/>
+                <a:latin typeface="+mn-lt"/>
+                <a:ea typeface="+mn-ea"/>
+                <a:cs typeface="+mn-cs"/>
+              </a:rPr>
+              <a:t>Grant:</a:t>
+            </a:r>
+            <a:endParaRPr lang="en-US" dirty="0" smtClean="0">
+              <a:effectLst/>
+            </a:endParaRPr>
+          </a:p>
+          <a:p>
+            <a:pPr rtl="0"/>
+            <a:r>
+              <a:rPr lang="en-US" dirty="0" smtClean="0"/>
+              <a:t/>
+            </a:r>
+            <a:br>
+              <a:rPr lang="en-US" dirty="0" smtClean="0"/>
+            </a:br>
+            <a:r>
+              <a:rPr lang="en-US" sz="1200" b="0" i="0" u="none" strike="noStrike" kern="1200" dirty="0" err="1" smtClean="0">
+                <a:solidFill>
+                  <a:schemeClr val="tx1"/>
+                </a:solidFill>
+                <a:effectLst/>
+                <a:latin typeface="+mn-lt"/>
+                <a:ea typeface="+mn-ea"/>
+                <a:cs typeface="+mn-cs"/>
+              </a:rPr>
+              <a:t>OpenFlow</a:t>
+            </a:r>
+            <a:r>
+              <a:rPr lang="en-US" sz="1200" b="0" i="0" u="none" strike="noStrike" kern="1200" dirty="0" smtClean="0">
+                <a:solidFill>
+                  <a:schemeClr val="tx1"/>
+                </a:solidFill>
+                <a:effectLst/>
+                <a:latin typeface="+mn-lt"/>
+                <a:ea typeface="+mn-ea"/>
+                <a:cs typeface="+mn-cs"/>
+              </a:rPr>
+              <a:t> is a protocol used by routers/switches and controllers for implementing SDNs. For example, </a:t>
+            </a:r>
+            <a:r>
+              <a:rPr lang="en-US" sz="1200" b="0" i="0" u="none" strike="noStrike" kern="1200" dirty="0" err="1" smtClean="0">
+                <a:solidFill>
+                  <a:schemeClr val="tx1"/>
+                </a:solidFill>
+                <a:effectLst/>
+                <a:latin typeface="+mn-lt"/>
+                <a:ea typeface="+mn-ea"/>
+                <a:cs typeface="+mn-cs"/>
+              </a:rPr>
+              <a:t>OpenDaylight</a:t>
+            </a:r>
+            <a:r>
+              <a:rPr lang="en-US" sz="1200" b="0" i="0" u="none" strike="noStrike" kern="1200" dirty="0" smtClean="0">
+                <a:solidFill>
+                  <a:schemeClr val="tx1"/>
+                </a:solidFill>
+                <a:effectLst/>
+                <a:latin typeface="+mn-lt"/>
+                <a:ea typeface="+mn-ea"/>
+                <a:cs typeface="+mn-cs"/>
+              </a:rPr>
+              <a:t> is SDN controller that uses </a:t>
+            </a:r>
+            <a:r>
+              <a:rPr lang="en-US" sz="1200" b="0" i="0" u="none" strike="noStrike" kern="1200" dirty="0" err="1" smtClean="0">
+                <a:solidFill>
+                  <a:schemeClr val="tx1"/>
+                </a:solidFill>
+                <a:effectLst/>
+                <a:latin typeface="+mn-lt"/>
+                <a:ea typeface="+mn-ea"/>
+                <a:cs typeface="+mn-cs"/>
+              </a:rPr>
+              <a:t>OpenFlow</a:t>
+            </a:r>
+            <a:r>
+              <a:rPr lang="en-US" sz="1200" b="0" i="0" u="none" strike="noStrike" kern="1200" dirty="0" smtClean="0">
+                <a:solidFill>
+                  <a:schemeClr val="tx1"/>
+                </a:solidFill>
+                <a:effectLst/>
+                <a:latin typeface="+mn-lt"/>
+                <a:ea typeface="+mn-ea"/>
+                <a:cs typeface="+mn-cs"/>
+              </a:rPr>
+              <a:t> to communicate with routers.</a:t>
+            </a:r>
+            <a:endParaRPr lang="en-US" dirty="0" smtClean="0">
+              <a:effectLst/>
+            </a:endParaRPr>
+          </a:p>
+          <a:p>
+            <a:pPr rtl="0"/>
+            <a:r>
+              <a:rPr lang="en-US" dirty="0" smtClean="0"/>
+              <a:t/>
+            </a:r>
+            <a:br>
+              <a:rPr lang="en-US" dirty="0" smtClean="0"/>
+            </a:br>
+            <a:r>
+              <a:rPr lang="en-US" sz="1200" b="0" i="0" u="none" strike="noStrike" kern="1200" dirty="0" smtClean="0">
+                <a:solidFill>
+                  <a:schemeClr val="tx1"/>
+                </a:solidFill>
+                <a:effectLst/>
+                <a:latin typeface="+mn-lt"/>
+                <a:ea typeface="+mn-ea"/>
+                <a:cs typeface="+mn-cs"/>
+              </a:rPr>
+              <a:t>Open Source!</a:t>
+            </a:r>
+            <a:br>
+              <a:rPr lang="en-US" sz="1200" b="0" i="0" u="none" strike="noStrike" kern="1200" dirty="0" smtClean="0">
+                <a:solidFill>
+                  <a:schemeClr val="tx1"/>
+                </a:solidFill>
+                <a:effectLst/>
+                <a:latin typeface="+mn-lt"/>
+                <a:ea typeface="+mn-ea"/>
+                <a:cs typeface="+mn-cs"/>
+              </a:rPr>
+            </a:br>
+            <a:r>
+              <a:rPr lang="en-US" sz="1200" b="0" i="0" u="none" strike="noStrike" kern="1200" dirty="0" err="1" smtClean="0">
+                <a:solidFill>
+                  <a:schemeClr val="tx1"/>
+                </a:solidFill>
+                <a:effectLst/>
+                <a:latin typeface="+mn-lt"/>
+                <a:ea typeface="+mn-ea"/>
+                <a:cs typeface="+mn-cs"/>
+              </a:rPr>
+              <a:t>OpenDaylight</a:t>
+            </a:r>
+            <a:r>
+              <a:rPr lang="en-US" sz="1200" b="0" i="0" u="none" strike="noStrike" kern="1200" dirty="0" smtClean="0">
+                <a:solidFill>
+                  <a:schemeClr val="tx1"/>
+                </a:solidFill>
+                <a:effectLst/>
+                <a:latin typeface="+mn-lt"/>
+                <a:ea typeface="+mn-ea"/>
+                <a:cs typeface="+mn-cs"/>
+              </a:rPr>
+              <a:t> and </a:t>
+            </a:r>
+            <a:r>
+              <a:rPr lang="en-US" sz="1200" b="0" i="0" u="none" strike="noStrike" kern="1200" dirty="0" err="1" smtClean="0">
+                <a:solidFill>
+                  <a:schemeClr val="tx1"/>
+                </a:solidFill>
+                <a:effectLst/>
+                <a:latin typeface="+mn-lt"/>
+                <a:ea typeface="+mn-ea"/>
+                <a:cs typeface="+mn-cs"/>
+              </a:rPr>
+              <a:t>OpenFlow</a:t>
+            </a:r>
+            <a:r>
+              <a:rPr lang="en-US" sz="1200" b="0" i="0" u="none" strike="noStrike" kern="1200" dirty="0" smtClean="0">
+                <a:solidFill>
+                  <a:schemeClr val="tx1"/>
+                </a:solidFill>
+                <a:effectLst/>
+                <a:latin typeface="+mn-lt"/>
+                <a:ea typeface="+mn-ea"/>
+                <a:cs typeface="+mn-cs"/>
+              </a:rPr>
+              <a:t> are open/ crowd-source (community driven) </a:t>
+            </a:r>
+            <a:endParaRPr lang="en-US" dirty="0" smtClean="0">
+              <a:effectLst/>
+            </a:endParaRPr>
+          </a:p>
+        </p:txBody>
+      </p:sp>
+      <p:sp>
+        <p:nvSpPr>
+          <p:cNvPr id="4" name="Slide Number Placeholder 3"/>
+          <p:cNvSpPr>
+            <a:spLocks noGrp="1"/>
+          </p:cNvSpPr>
+          <p:nvPr>
+            <p:ph type="sldNum" sz="quarter" idx="10"/>
+          </p:nvPr>
+        </p:nvSpPr>
+        <p:spPr/>
+        <p:txBody>
+          <a:bodyPr/>
+          <a:lstStyle/>
+          <a:p>
+            <a:fld id="{1FB3F3BB-132B-418B-8D02-CAC6A9422A35}" type="slidenum">
+              <a:rPr lang="en-US" smtClean="0"/>
+              <a:pPr/>
+              <a:t>12</a:t>
+            </a:fld>
+            <a:endParaRPr lang="en-US"/>
+          </a:p>
+        </p:txBody>
+      </p:sp>
+    </p:spTree>
+    <p:extLst>
+      <p:ext uri="{BB962C8B-B14F-4D97-AF65-F5344CB8AC3E}">
+        <p14:creationId xmlns:p14="http://schemas.microsoft.com/office/powerpoint/2010/main" val="1224031154"/>
+      </p:ext>
+    </p:extLst>
+  </p:cSld>
+  <p:clrMapOvr>
+    <a:masterClrMapping/>
+  </p:clrMapOvr>
+</p:notes>
+</file>
+
+<file path=ppt/notesSlides/notesSlide13.xml><?xml version="1.0" encoding="utf-8"?>
+<p:notes xmlns:a="http://schemas.openxmlformats.org/drawingml/2006/main" xmlns:r="http://schemas.openxmlformats.org/officeDocument/2006/relationships" xmlns:p="http://schemas.openxmlformats.org/presentationml/2006/main">
+  <p:cSld>
+    <p:spTree>
+      <p:nvGrpSpPr>
+        <p:cNvPr id="1" name=""/>
+        <p:cNvGrpSpPr/>
+        <p:nvPr/>
+      </p:nvGrpSpPr>
+      <p:grpSpPr>
+        <a:xfrm>
+          <a:off x="0" y="0"/>
+          <a:ext cx="0" cy="0"/>
+          <a:chOff x="0" y="0"/>
+          <a:chExt cx="0" cy="0"/>
+        </a:xfrm>
+      </p:grpSpPr>
+      <p:sp>
+        <p:nvSpPr>
+          <p:cNvPr id="2" name="Slide Image Placeholder 1"/>
+          <p:cNvSpPr>
+            <a:spLocks noGrp="1" noRot="1" noChangeAspect="1"/>
+          </p:cNvSpPr>
+          <p:nvPr>
+            <p:ph type="sldImg"/>
+          </p:nvPr>
+        </p:nvSpPr>
+        <p:spPr/>
+      </p:sp>
+      <p:sp>
+        <p:nvSpPr>
+          <p:cNvPr id="3" name="Notes Placeholder 2"/>
+          <p:cNvSpPr>
+            <a:spLocks noGrp="1"/>
+          </p:cNvSpPr>
+          <p:nvPr>
+            <p:ph type="body" idx="1"/>
+          </p:nvPr>
+        </p:nvSpPr>
+        <p:spPr/>
+        <p:txBody>
+          <a:bodyPr>
+            <a:normAutofit lnSpcReduction="10000"/>
+          </a:bodyPr>
+          <a:lstStyle/>
+          <a:p>
+            <a:pPr rtl="0"/>
+            <a:r>
+              <a:rPr lang="en-US" sz="1200" b="0" i="0" u="none" strike="noStrike" kern="1200" dirty="0" smtClean="0">
+                <a:solidFill>
+                  <a:schemeClr val="tx1"/>
+                </a:solidFill>
+                <a:effectLst/>
+                <a:latin typeface="+mn-lt"/>
+                <a:ea typeface="+mn-ea"/>
+                <a:cs typeface="+mn-cs"/>
+              </a:rPr>
+              <a:t>Grant:</a:t>
+            </a:r>
+            <a:endParaRPr lang="en-US" dirty="0" smtClean="0">
+              <a:effectLst/>
+            </a:endParaRPr>
+          </a:p>
+          <a:p>
+            <a:pPr rtl="0"/>
+            <a:r>
+              <a:rPr lang="en-US" dirty="0" smtClean="0"/>
+              <a:t/>
+            </a:r>
+            <a:br>
+              <a:rPr lang="en-US" dirty="0" smtClean="0"/>
+            </a:br>
+            <a:r>
+              <a:rPr lang="en-US" sz="1200" b="0" i="0" u="none" strike="noStrike" kern="1200" dirty="0" smtClean="0">
+                <a:solidFill>
+                  <a:schemeClr val="tx1"/>
+                </a:solidFill>
+                <a:effectLst/>
+                <a:latin typeface="+mn-lt"/>
+                <a:ea typeface="+mn-ea"/>
+                <a:cs typeface="+mn-cs"/>
+              </a:rPr>
+              <a:t>controller to switch messages are most important</a:t>
+            </a:r>
+            <a:endParaRPr lang="en-US" dirty="0" smtClean="0">
+              <a:effectLst/>
+            </a:endParaRPr>
+          </a:p>
+          <a:p>
+            <a:pPr rtl="0"/>
+            <a:r>
+              <a:rPr lang="en-US" dirty="0" smtClean="0"/>
+              <a:t/>
+            </a:r>
+            <a:br>
+              <a:rPr lang="en-US" dirty="0" smtClean="0"/>
+            </a:br>
+            <a:r>
+              <a:rPr lang="en-US" sz="1200" b="0" i="0" u="none" strike="noStrike" kern="1200" dirty="0" smtClean="0">
+                <a:solidFill>
+                  <a:schemeClr val="tx1"/>
+                </a:solidFill>
+                <a:effectLst/>
+                <a:latin typeface="+mn-lt"/>
+                <a:ea typeface="+mn-ea"/>
+                <a:cs typeface="+mn-cs"/>
+              </a:rPr>
+              <a:t>flow table entries have:</a:t>
+            </a:r>
+            <a:endParaRPr lang="en-US" dirty="0" smtClean="0">
+              <a:effectLst/>
+            </a:endParaRPr>
+          </a:p>
+          <a:p>
+            <a:pPr marL="171450" indent="-171450" rtl="0" fontAlgn="base">
+              <a:buFont typeface="Arial" panose="020B0604020202020204" pitchFamily="34" charset="0"/>
+              <a:buChar char="•"/>
+            </a:pPr>
+            <a:r>
+              <a:rPr lang="en-US" sz="1200" b="0" i="0" u="none" strike="noStrike" kern="1200" dirty="0" smtClean="0">
+                <a:solidFill>
+                  <a:schemeClr val="tx1"/>
+                </a:solidFill>
+                <a:effectLst/>
+                <a:latin typeface="+mn-lt"/>
+                <a:ea typeface="+mn-ea"/>
+                <a:cs typeface="+mn-cs"/>
+              </a:rPr>
+              <a:t>Match Fields - matches packet headers</a:t>
+            </a:r>
+          </a:p>
+          <a:p>
+            <a:pPr marL="171450" indent="-171450" rtl="0" fontAlgn="base">
+              <a:buFont typeface="Arial" panose="020B0604020202020204" pitchFamily="34" charset="0"/>
+              <a:buChar char="•"/>
+            </a:pPr>
+            <a:r>
+              <a:rPr lang="en-US" sz="1200" b="0" i="0" u="none" strike="noStrike" kern="1200" dirty="0" smtClean="0">
+                <a:solidFill>
+                  <a:schemeClr val="tx1"/>
+                </a:solidFill>
+                <a:effectLst/>
+                <a:latin typeface="+mn-lt"/>
+                <a:ea typeface="+mn-ea"/>
+                <a:cs typeface="+mn-cs"/>
+              </a:rPr>
+              <a:t>Priority - if this match should be considered over others</a:t>
+            </a:r>
+          </a:p>
+          <a:p>
+            <a:pPr marL="171450" indent="-171450" rtl="0" fontAlgn="base">
+              <a:buFont typeface="Arial" panose="020B0604020202020204" pitchFamily="34" charset="0"/>
+              <a:buChar char="•"/>
+            </a:pPr>
+            <a:r>
+              <a:rPr lang="en-US" sz="1200" b="0" i="0" u="none" strike="noStrike" kern="1200" dirty="0" smtClean="0">
+                <a:solidFill>
+                  <a:schemeClr val="tx1"/>
+                </a:solidFill>
+                <a:effectLst/>
+                <a:latin typeface="+mn-lt"/>
+                <a:ea typeface="+mn-ea"/>
+                <a:cs typeface="+mn-cs"/>
+              </a:rPr>
+              <a:t>Counters - incremented for every matched packet</a:t>
+            </a:r>
+          </a:p>
+          <a:p>
+            <a:pPr marL="171450" indent="-171450" rtl="0" fontAlgn="base">
+              <a:buFont typeface="Arial" panose="020B0604020202020204" pitchFamily="34" charset="0"/>
+              <a:buChar char="•"/>
+            </a:pPr>
+            <a:r>
+              <a:rPr lang="en-US" sz="1200" b="0" i="0" u="none" strike="noStrike" kern="1200" dirty="0" smtClean="0">
+                <a:solidFill>
+                  <a:schemeClr val="tx1"/>
+                </a:solidFill>
+                <a:effectLst/>
+                <a:latin typeface="+mn-lt"/>
+                <a:ea typeface="+mn-ea"/>
+                <a:cs typeface="+mn-cs"/>
+              </a:rPr>
+              <a:t>Instructions - what to do with the matched packet, i.e. modify or forward</a:t>
+            </a:r>
+          </a:p>
+          <a:p>
+            <a:pPr marL="171450" indent="-171450" rtl="0" fontAlgn="base">
+              <a:buFont typeface="Arial" panose="020B0604020202020204" pitchFamily="34" charset="0"/>
+              <a:buChar char="•"/>
+            </a:pPr>
+            <a:r>
+              <a:rPr lang="en-US" sz="1200" b="0" i="0" u="none" strike="noStrike" kern="1200" dirty="0" smtClean="0">
+                <a:solidFill>
+                  <a:schemeClr val="tx1"/>
+                </a:solidFill>
+                <a:effectLst/>
+                <a:latin typeface="+mn-lt"/>
+                <a:ea typeface="+mn-ea"/>
+                <a:cs typeface="+mn-cs"/>
+              </a:rPr>
+              <a:t>Timeouts - how long flow lasts without being used</a:t>
+            </a:r>
+          </a:p>
+          <a:p>
+            <a:pPr marL="171450" indent="-171450" rtl="0" fontAlgn="base">
+              <a:buFont typeface="Arial" panose="020B0604020202020204" pitchFamily="34" charset="0"/>
+              <a:buChar char="•"/>
+            </a:pPr>
+            <a:r>
+              <a:rPr lang="en-US" sz="1200" b="0" i="0" u="none" strike="noStrike" kern="1200" dirty="0" smtClean="0">
+                <a:solidFill>
+                  <a:schemeClr val="tx1"/>
+                </a:solidFill>
+                <a:effectLst/>
+                <a:latin typeface="+mn-lt"/>
+                <a:ea typeface="+mn-ea"/>
+                <a:cs typeface="+mn-cs"/>
+              </a:rPr>
+              <a:t>Cookie - chosen by controller and used for things like filtering statistics. not used by router</a:t>
+            </a:r>
+          </a:p>
+          <a:p>
+            <a:pPr rtl="0"/>
+            <a:r>
+              <a:rPr lang="en-US" dirty="0" smtClean="0"/>
+              <a:t/>
+            </a:r>
+            <a:br>
+              <a:rPr lang="en-US" dirty="0" smtClean="0"/>
+            </a:br>
+            <a:r>
+              <a:rPr lang="en-US" sz="1200" b="0" i="0" u="none" strike="noStrike" kern="1200" dirty="0" smtClean="0">
+                <a:solidFill>
+                  <a:schemeClr val="tx1"/>
+                </a:solidFill>
+                <a:effectLst/>
+                <a:latin typeface="+mn-lt"/>
+                <a:ea typeface="+mn-ea"/>
+                <a:cs typeface="+mn-cs"/>
+              </a:rPr>
+              <a:t>3 types of message</a:t>
+            </a:r>
+            <a:endParaRPr lang="en-US" dirty="0" smtClean="0">
+              <a:effectLst/>
+            </a:endParaRPr>
+          </a:p>
+          <a:p>
+            <a:pPr marL="171450" indent="-171450" rtl="0" fontAlgn="base">
+              <a:buFont typeface="Arial" panose="020B0604020202020204" pitchFamily="34" charset="0"/>
+              <a:buChar char="•"/>
+            </a:pPr>
+            <a:r>
+              <a:rPr lang="en-US" sz="1200" b="0" i="0" u="none" strike="noStrike" kern="1200" dirty="0" smtClean="0">
+                <a:solidFill>
+                  <a:schemeClr val="tx1"/>
+                </a:solidFill>
+                <a:effectLst/>
+                <a:latin typeface="+mn-lt"/>
+                <a:ea typeface="+mn-ea"/>
+                <a:cs typeface="+mn-cs"/>
+              </a:rPr>
+              <a:t>controller-to-switch message</a:t>
+            </a:r>
+          </a:p>
+          <a:p>
+            <a:pPr marL="628650" lvl="1" indent="-171450" rtl="0" fontAlgn="base">
+              <a:buFont typeface="Arial" panose="020B0604020202020204" pitchFamily="34" charset="0"/>
+              <a:buChar char="•"/>
+            </a:pPr>
+            <a:r>
+              <a:rPr lang="en-US" sz="1200" b="0" i="0" u="none" strike="noStrike" kern="1200" dirty="0" smtClean="0">
+                <a:solidFill>
+                  <a:schemeClr val="tx1"/>
+                </a:solidFill>
+                <a:effectLst/>
+                <a:latin typeface="+mn-lt"/>
+                <a:ea typeface="+mn-ea"/>
+                <a:cs typeface="+mn-cs"/>
+              </a:rPr>
+              <a:t>used for controllers to actually control switches and routers, populate flow tables, configure queues, etc.</a:t>
+            </a:r>
+          </a:p>
+          <a:p>
+            <a:pPr marL="171450" indent="-171450" rtl="0" fontAlgn="base">
+              <a:buFont typeface="Arial" panose="020B0604020202020204" pitchFamily="34" charset="0"/>
+              <a:buChar char="•"/>
+            </a:pPr>
+            <a:r>
+              <a:rPr lang="en-US" sz="1200" b="0" i="0" u="none" strike="noStrike" kern="1200" dirty="0" smtClean="0">
+                <a:solidFill>
+                  <a:schemeClr val="tx1"/>
+                </a:solidFill>
+                <a:effectLst/>
+                <a:latin typeface="+mn-lt"/>
+                <a:ea typeface="+mn-ea"/>
+                <a:cs typeface="+mn-cs"/>
+              </a:rPr>
+              <a:t>asynchronous message</a:t>
+            </a:r>
+          </a:p>
+          <a:p>
+            <a:pPr marL="628650" lvl="1" indent="-171450" rtl="0" fontAlgn="base">
+              <a:buFont typeface="Arial" panose="020B0604020202020204" pitchFamily="34" charset="0"/>
+              <a:buChar char="•"/>
+            </a:pPr>
+            <a:r>
+              <a:rPr lang="en-US" sz="1200" b="0" i="0" u="none" strike="noStrike" kern="1200" dirty="0" smtClean="0">
+                <a:solidFill>
+                  <a:schemeClr val="tx1"/>
+                </a:solidFill>
+                <a:effectLst/>
+                <a:latin typeface="+mn-lt"/>
+                <a:ea typeface="+mn-ea"/>
+                <a:cs typeface="+mn-cs"/>
+              </a:rPr>
+              <a:t>used by switches/routers to signal controller for errors, and if the controller asked it to (flow removed, specific action).</a:t>
+            </a:r>
+          </a:p>
+          <a:p>
+            <a:pPr marL="171450" indent="-171450" rtl="0" fontAlgn="base">
+              <a:buFont typeface="Arial" panose="020B0604020202020204" pitchFamily="34" charset="0"/>
+              <a:buChar char="•"/>
+            </a:pPr>
+            <a:r>
+              <a:rPr lang="en-US" sz="1200" b="0" i="0" u="none" strike="noStrike" kern="1200" dirty="0" smtClean="0">
+                <a:solidFill>
+                  <a:schemeClr val="tx1"/>
+                </a:solidFill>
+                <a:effectLst/>
+                <a:latin typeface="+mn-lt"/>
+                <a:ea typeface="+mn-ea"/>
+                <a:cs typeface="+mn-cs"/>
+              </a:rPr>
+              <a:t>Symmetric messages</a:t>
+            </a:r>
+          </a:p>
+          <a:p>
+            <a:pPr marL="628650" lvl="1" indent="-171450" rtl="0" fontAlgn="base">
+              <a:buFont typeface="Arial" panose="020B0604020202020204" pitchFamily="34" charset="0"/>
+              <a:buChar char="•"/>
+            </a:pPr>
+            <a:r>
+              <a:rPr lang="en-US" sz="1200" b="0" i="0" u="none" strike="noStrike" kern="1200" dirty="0" smtClean="0">
+                <a:solidFill>
+                  <a:schemeClr val="tx1"/>
+                </a:solidFill>
+                <a:effectLst/>
+                <a:latin typeface="+mn-lt"/>
+                <a:ea typeface="+mn-ea"/>
+                <a:cs typeface="+mn-cs"/>
+              </a:rPr>
+              <a:t>used by both controllers and routers/switches for echo requests and replies</a:t>
+            </a:r>
+          </a:p>
+          <a:p>
+            <a:pPr marL="628650" lvl="1" indent="-171450" rtl="0" fontAlgn="base">
+              <a:buFont typeface="Arial" panose="020B0604020202020204" pitchFamily="34" charset="0"/>
+              <a:buChar char="•"/>
+            </a:pPr>
+            <a:r>
+              <a:rPr lang="en-US" sz="1200" b="0" i="0" u="none" strike="noStrike" kern="1200" dirty="0" smtClean="0">
+                <a:solidFill>
+                  <a:schemeClr val="tx1"/>
+                </a:solidFill>
+                <a:effectLst/>
+                <a:latin typeface="+mn-lt"/>
+                <a:ea typeface="+mn-ea"/>
+                <a:cs typeface="+mn-cs"/>
+              </a:rPr>
+              <a:t>also has “Experimenter” type which is made to be used for user defined behavior</a:t>
+            </a:r>
+          </a:p>
+        </p:txBody>
+      </p:sp>
+      <p:sp>
+        <p:nvSpPr>
+          <p:cNvPr id="4" name="Slide Number Placeholder 3"/>
+          <p:cNvSpPr>
+            <a:spLocks noGrp="1"/>
+          </p:cNvSpPr>
+          <p:nvPr>
+            <p:ph type="sldNum" sz="quarter" idx="10"/>
+          </p:nvPr>
+        </p:nvSpPr>
+        <p:spPr/>
+        <p:txBody>
+          <a:bodyPr/>
+          <a:lstStyle/>
+          <a:p>
+            <a:fld id="{1FB3F3BB-132B-418B-8D02-CAC6A9422A35}" type="slidenum">
+              <a:rPr lang="en-US" smtClean="0"/>
+              <a:pPr/>
+              <a:t>13</a:t>
+            </a:fld>
+            <a:endParaRPr lang="en-US"/>
+          </a:p>
+        </p:txBody>
+      </p:sp>
+    </p:spTree>
+    <p:extLst>
+      <p:ext uri="{BB962C8B-B14F-4D97-AF65-F5344CB8AC3E}">
+        <p14:creationId xmlns:p14="http://schemas.microsoft.com/office/powerpoint/2010/main" val="441746245"/>
+      </p:ext>
+    </p:extLst>
+  </p:cSld>
+  <p:clrMapOvr>
+    <a:masterClrMapping/>
+  </p:clrMapOvr>
+</p:notes>
+</file>
+
+<file path=ppt/notesSlides/notesSlide14.xml><?xml version="1.0" encoding="utf-8"?>
+<p:notes xmlns:a="http://schemas.openxmlformats.org/drawingml/2006/main" xmlns:r="http://schemas.openxmlformats.org/officeDocument/2006/relationships" xmlns:p="http://schemas.openxmlformats.org/presentationml/2006/main">
+  <p:cSld>
+    <p:spTree>
+      <p:nvGrpSpPr>
+        <p:cNvPr id="1" name=""/>
+        <p:cNvGrpSpPr/>
+        <p:nvPr/>
+      </p:nvGrpSpPr>
+      <p:grpSpPr>
+        <a:xfrm>
+          <a:off x="0" y="0"/>
+          <a:ext cx="0" cy="0"/>
+          <a:chOff x="0" y="0"/>
+          <a:chExt cx="0" cy="0"/>
+        </a:xfrm>
+      </p:grpSpPr>
+      <p:sp>
+        <p:nvSpPr>
+          <p:cNvPr id="2" name="Slide Image Placeholder 1"/>
+          <p:cNvSpPr>
+            <a:spLocks noGrp="1" noRot="1" noChangeAspect="1"/>
+          </p:cNvSpPr>
+          <p:nvPr>
+            <p:ph type="sldImg"/>
+          </p:nvPr>
+        </p:nvSpPr>
+        <p:spPr/>
+      </p:sp>
+      <p:sp>
+        <p:nvSpPr>
+          <p:cNvPr id="3" name="Notes Placeholder 2"/>
+          <p:cNvSpPr>
+            <a:spLocks noGrp="1"/>
+          </p:cNvSpPr>
+          <p:nvPr>
+            <p:ph type="body" idx="1"/>
+          </p:nvPr>
+        </p:nvSpPr>
+        <p:spPr/>
+        <p:txBody>
+          <a:bodyPr/>
+          <a:lstStyle/>
+          <a:p>
+            <a:pPr rtl="0"/>
+            <a:r>
+              <a:rPr lang="en-US" sz="1200" b="0" i="0" u="none" strike="noStrike" kern="1200" dirty="0" smtClean="0">
+                <a:solidFill>
+                  <a:schemeClr val="tx1"/>
+                </a:solidFill>
+                <a:effectLst/>
+                <a:latin typeface="+mn-lt"/>
+                <a:ea typeface="+mn-ea"/>
+                <a:cs typeface="+mn-cs"/>
+              </a:rPr>
+              <a:t>Grant:</a:t>
+            </a:r>
+            <a:endParaRPr lang="en-US" dirty="0" smtClean="0">
+              <a:effectLst/>
+            </a:endParaRPr>
+          </a:p>
+          <a:p>
+            <a:pPr rtl="0"/>
+            <a:r>
+              <a:rPr lang="en-US" dirty="0" smtClean="0"/>
+              <a:t/>
+            </a:r>
+            <a:br>
+              <a:rPr lang="en-US" dirty="0" smtClean="0"/>
+            </a:br>
+            <a:r>
+              <a:rPr lang="en-US" sz="1200" b="0" i="0" u="none" strike="noStrike" kern="1200" dirty="0" smtClean="0">
+                <a:solidFill>
+                  <a:schemeClr val="tx1"/>
+                </a:solidFill>
+                <a:effectLst/>
+                <a:latin typeface="+mn-lt"/>
+                <a:ea typeface="+mn-ea"/>
+                <a:cs typeface="+mn-cs"/>
+              </a:rPr>
+              <a:t>this list is </a:t>
+            </a:r>
+            <a:r>
+              <a:rPr lang="en-US" sz="1200" b="0" i="0" u="none" strike="noStrike" kern="1200" dirty="0" err="1" smtClean="0">
+                <a:solidFill>
+                  <a:schemeClr val="tx1"/>
+                </a:solidFill>
+                <a:effectLst/>
+                <a:latin typeface="+mn-lt"/>
+                <a:ea typeface="+mn-ea"/>
+                <a:cs typeface="+mn-cs"/>
+              </a:rPr>
+              <a:t>inexhaustive</a:t>
+            </a:r>
+            <a:r>
+              <a:rPr lang="en-US" sz="1200" b="0" i="0" u="none" strike="noStrike" kern="1200" dirty="0" smtClean="0">
+                <a:solidFill>
+                  <a:schemeClr val="tx1"/>
+                </a:solidFill>
+                <a:effectLst/>
+                <a:latin typeface="+mn-lt"/>
+                <a:ea typeface="+mn-ea"/>
+                <a:cs typeface="+mn-cs"/>
+              </a:rPr>
+              <a:t>; it only contains the major types of message</a:t>
+            </a:r>
+            <a:endParaRPr lang="en-US" dirty="0" smtClean="0">
+              <a:effectLst/>
+            </a:endParaRPr>
+          </a:p>
+          <a:p>
+            <a:pPr rtl="0"/>
+            <a:r>
+              <a:rPr lang="en-US" dirty="0" smtClean="0"/>
+              <a:t/>
+            </a:r>
+            <a:br>
+              <a:rPr lang="en-US" dirty="0" smtClean="0"/>
+            </a:br>
+            <a:r>
+              <a:rPr lang="en-US" sz="1200" b="0" i="0" u="none" strike="noStrike" kern="1200" dirty="0" smtClean="0">
+                <a:solidFill>
+                  <a:schemeClr val="tx1"/>
+                </a:solidFill>
+                <a:effectLst/>
+                <a:latin typeface="+mn-lt"/>
+                <a:ea typeface="+mn-ea"/>
+                <a:cs typeface="+mn-cs"/>
+              </a:rPr>
+              <a:t>Handshakes</a:t>
+            </a:r>
+            <a:endParaRPr lang="en-US" dirty="0" smtClean="0">
+              <a:effectLst/>
+            </a:endParaRPr>
+          </a:p>
+        </p:txBody>
+      </p:sp>
+      <p:sp>
+        <p:nvSpPr>
+          <p:cNvPr id="4" name="Slide Number Placeholder 3"/>
+          <p:cNvSpPr>
+            <a:spLocks noGrp="1"/>
+          </p:cNvSpPr>
+          <p:nvPr>
+            <p:ph type="sldNum" sz="quarter" idx="10"/>
+          </p:nvPr>
+        </p:nvSpPr>
+        <p:spPr/>
+        <p:txBody>
+          <a:bodyPr/>
+          <a:lstStyle/>
+          <a:p>
+            <a:fld id="{1FB3F3BB-132B-418B-8D02-CAC6A9422A35}" type="slidenum">
+              <a:rPr lang="en-US" smtClean="0"/>
+              <a:pPr/>
+              <a:t>14</a:t>
+            </a:fld>
+            <a:endParaRPr lang="en-US"/>
+          </a:p>
+        </p:txBody>
+      </p:sp>
+    </p:spTree>
+    <p:extLst>
+      <p:ext uri="{BB962C8B-B14F-4D97-AF65-F5344CB8AC3E}">
+        <p14:creationId xmlns:p14="http://schemas.microsoft.com/office/powerpoint/2010/main" val="3579920641"/>
+      </p:ext>
+    </p:extLst>
+  </p:cSld>
+  <p:clrMapOvr>
+    <a:masterClrMapping/>
+  </p:clrMapOvr>
+</p:notes>
+</file>
+
+<file path=ppt/notesSlides/notesSlide15.xml><?xml version="1.0" encoding="utf-8"?>
+<p:notes xmlns:a="http://schemas.openxmlformats.org/drawingml/2006/main" xmlns:r="http://schemas.openxmlformats.org/officeDocument/2006/relationships" xmlns:p="http://schemas.openxmlformats.org/presentationml/2006/main">
+  <p:cSld>
+    <p:spTree>
+      <p:nvGrpSpPr>
+        <p:cNvPr id="1" name=""/>
+        <p:cNvGrpSpPr/>
+        <p:nvPr/>
+      </p:nvGrpSpPr>
+      <p:grpSpPr>
+        <a:xfrm>
+          <a:off x="0" y="0"/>
+          <a:ext cx="0" cy="0"/>
+          <a:chOff x="0" y="0"/>
+          <a:chExt cx="0" cy="0"/>
+        </a:xfrm>
+      </p:grpSpPr>
+      <p:sp>
+        <p:nvSpPr>
+          <p:cNvPr id="2" name="Slide Image Placeholder 1"/>
+          <p:cNvSpPr>
+            <a:spLocks noGrp="1" noRot="1" noChangeAspect="1"/>
+          </p:cNvSpPr>
+          <p:nvPr>
+            <p:ph type="sldImg"/>
+          </p:nvPr>
+        </p:nvSpPr>
+        <p:spPr/>
+      </p:sp>
+      <p:sp>
+        <p:nvSpPr>
+          <p:cNvPr id="3" name="Notes Placeholder 2"/>
+          <p:cNvSpPr>
+            <a:spLocks noGrp="1"/>
+          </p:cNvSpPr>
+          <p:nvPr>
+            <p:ph type="body" idx="1"/>
+          </p:nvPr>
+        </p:nvSpPr>
+        <p:spPr/>
+        <p:txBody>
+          <a:bodyPr/>
+          <a:lstStyle/>
+          <a:p>
+            <a:pPr marL="0" marR="0" indent="0" algn="l" defTabSz="914400" rtl="0" eaLnBrk="1" fontAlgn="auto" latinLnBrk="0" hangingPunct="1">
+              <a:lnSpc>
+                <a:spcPct val="100000"/>
+              </a:lnSpc>
+              <a:spcBef>
+                <a:spcPts val="0"/>
+              </a:spcBef>
+              <a:spcAft>
+                <a:spcPts val="0"/>
+              </a:spcAft>
+              <a:buClrTx/>
+              <a:buSzTx/>
+              <a:buFontTx/>
+              <a:buNone/>
+              <a:tabLst/>
+              <a:defRPr/>
+            </a:pPr>
+            <a:r>
+              <a:rPr lang="en-US" sz="1200" b="0" i="0" u="none" strike="noStrike" kern="1200" dirty="0" smtClean="0">
+                <a:solidFill>
+                  <a:schemeClr val="tx1"/>
+                </a:solidFill>
+                <a:effectLst/>
+                <a:latin typeface="+mn-lt"/>
+                <a:ea typeface="+mn-ea"/>
+                <a:cs typeface="+mn-cs"/>
+              </a:rPr>
+              <a:t>Hypervisor switch = virtual switch</a:t>
+            </a:r>
+            <a:br>
+              <a:rPr lang="en-US" sz="1200" b="0" i="0" u="none" strike="noStrike" kern="1200" dirty="0" smtClean="0">
+                <a:solidFill>
+                  <a:schemeClr val="tx1"/>
+                </a:solidFill>
+                <a:effectLst/>
+                <a:latin typeface="+mn-lt"/>
+                <a:ea typeface="+mn-ea"/>
+                <a:cs typeface="+mn-cs"/>
+              </a:rPr>
+            </a:br>
+            <a:r>
+              <a:rPr lang="en-US" sz="1200" b="0" i="0" u="none" strike="noStrike" kern="1200" dirty="0" smtClean="0">
+                <a:solidFill>
+                  <a:schemeClr val="tx1"/>
+                </a:solidFill>
+                <a:effectLst/>
+                <a:latin typeface="+mn-lt"/>
+                <a:ea typeface="+mn-ea"/>
+                <a:cs typeface="+mn-cs"/>
+              </a:rPr>
+              <a:t>Physical switch = actual switch</a:t>
+            </a:r>
+            <a:br>
+              <a:rPr lang="en-US" sz="1200" b="0" i="0" u="none" strike="noStrike" kern="1200" dirty="0" smtClean="0">
+                <a:solidFill>
+                  <a:schemeClr val="tx1"/>
+                </a:solidFill>
+                <a:effectLst/>
+                <a:latin typeface="+mn-lt"/>
+                <a:ea typeface="+mn-ea"/>
+                <a:cs typeface="+mn-cs"/>
+              </a:rPr>
+            </a:br>
+            <a:r>
+              <a:rPr lang="en-US" sz="1200" b="0" i="0" u="none" strike="noStrike" kern="1200" dirty="0" smtClean="0">
+                <a:solidFill>
+                  <a:schemeClr val="tx1"/>
+                </a:solidFill>
+                <a:effectLst/>
+                <a:latin typeface="+mn-lt"/>
+                <a:ea typeface="+mn-ea"/>
+                <a:cs typeface="+mn-cs"/>
+              </a:rPr>
+              <a:t>Need </a:t>
+            </a:r>
+            <a:r>
+              <a:rPr lang="en-US" sz="1200" b="0" i="0" u="none" strike="noStrike" kern="1200" dirty="0" err="1" smtClean="0">
+                <a:solidFill>
+                  <a:schemeClr val="tx1"/>
+                </a:solidFill>
+                <a:effectLst/>
+                <a:latin typeface="+mn-lt"/>
+                <a:ea typeface="+mn-ea"/>
+                <a:cs typeface="+mn-cs"/>
+              </a:rPr>
+              <a:t>OpenFlow</a:t>
+            </a:r>
+            <a:r>
+              <a:rPr lang="en-US" sz="1200" b="0" i="0" u="none" strike="noStrike" kern="1200" dirty="0" smtClean="0">
+                <a:solidFill>
+                  <a:schemeClr val="tx1"/>
+                </a:solidFill>
+                <a:effectLst/>
+                <a:latin typeface="+mn-lt"/>
+                <a:ea typeface="+mn-ea"/>
+                <a:cs typeface="+mn-cs"/>
+              </a:rPr>
+              <a:t> “enabled” switches to talk with an </a:t>
+            </a:r>
+            <a:r>
+              <a:rPr lang="en-US" sz="1200" b="0" i="0" u="none" strike="noStrike" kern="1200" dirty="0" err="1" smtClean="0">
+                <a:solidFill>
+                  <a:schemeClr val="tx1"/>
+                </a:solidFill>
+                <a:effectLst/>
+                <a:latin typeface="+mn-lt"/>
+                <a:ea typeface="+mn-ea"/>
+                <a:cs typeface="+mn-cs"/>
+              </a:rPr>
+              <a:t>OpenDaylight</a:t>
+            </a:r>
+            <a:r>
+              <a:rPr lang="en-US" sz="1200" b="0" i="0" u="none" strike="noStrike" kern="1200" dirty="0" smtClean="0">
+                <a:solidFill>
+                  <a:schemeClr val="tx1"/>
+                </a:solidFill>
+                <a:effectLst/>
+                <a:latin typeface="+mn-lt"/>
+                <a:ea typeface="+mn-ea"/>
+                <a:cs typeface="+mn-cs"/>
+              </a:rPr>
+              <a:t> Controller</a:t>
+            </a:r>
+            <a:endParaRPr lang="en-US" dirty="0" smtClean="0">
+              <a:effectLst/>
+            </a:endParaRPr>
+          </a:p>
+        </p:txBody>
+      </p:sp>
+      <p:sp>
+        <p:nvSpPr>
+          <p:cNvPr id="4" name="Slide Number Placeholder 3"/>
+          <p:cNvSpPr>
+            <a:spLocks noGrp="1"/>
+          </p:cNvSpPr>
+          <p:nvPr>
+            <p:ph type="sldNum" sz="quarter" idx="10"/>
+          </p:nvPr>
+        </p:nvSpPr>
+        <p:spPr/>
+        <p:txBody>
+          <a:bodyPr/>
+          <a:lstStyle/>
+          <a:p>
+            <a:fld id="{1FB3F3BB-132B-418B-8D02-CAC6A9422A35}" type="slidenum">
+              <a:rPr lang="en-US" smtClean="0"/>
+              <a:pPr/>
+              <a:t>15</a:t>
+            </a:fld>
+            <a:endParaRPr lang="en-US"/>
+          </a:p>
+        </p:txBody>
+      </p:sp>
+    </p:spTree>
+    <p:extLst>
+      <p:ext uri="{BB962C8B-B14F-4D97-AF65-F5344CB8AC3E}">
+        <p14:creationId xmlns:p14="http://schemas.microsoft.com/office/powerpoint/2010/main" val="2808382222"/>
+      </p:ext>
+    </p:extLst>
+  </p:cSld>
+  <p:clrMapOvr>
+    <a:masterClrMapping/>
+  </p:clrMapOvr>
+</p:notes>
+</file>
+
 <file path=ppt/notesSlides/notesSlide2.xml><?xml version="1.0" encoding="utf-8"?>
 <p:notes xmlns:a="http://schemas.openxmlformats.org/drawingml/2006/main" xmlns:r="http://schemas.openxmlformats.org/officeDocument/2006/relationships" xmlns:p="http://schemas.openxmlformats.org/presentationml/2006/main">
   <p:cSld>
@@ -802,7 +2145,36 @@
           <a:bodyPr/>
           <a:lstStyle/>
           <a:p>
-            <a:endParaRPr lang="en-US"/>
+            <a:pPr rtl="0"/>
+            <a:r>
+              <a:rPr lang="en-US" sz="1200" b="0" i="0" u="none" strike="noStrike" kern="1200" dirty="0" smtClean="0">
+                <a:solidFill>
+                  <a:schemeClr val="tx1"/>
+                </a:solidFill>
+                <a:effectLst/>
+                <a:latin typeface="+mn-lt"/>
+                <a:ea typeface="+mn-ea"/>
+                <a:cs typeface="+mn-cs"/>
+              </a:rPr>
+              <a:t>Can give definition, then say we will review what we have now, and how SDN is better in some case.</a:t>
+            </a:r>
+            <a:endParaRPr lang="en-US" dirty="0" smtClean="0">
+              <a:effectLst/>
+            </a:endParaRPr>
+          </a:p>
+          <a:p>
+            <a:r>
+              <a:rPr lang="en-US" sz="1200" b="0" i="0" u="none" strike="noStrike" kern="1200" dirty="0" smtClean="0">
+                <a:solidFill>
+                  <a:schemeClr val="tx1"/>
+                </a:solidFill>
+                <a:effectLst/>
+                <a:latin typeface="+mn-lt"/>
+                <a:ea typeface="+mn-ea"/>
+                <a:cs typeface="+mn-cs"/>
+              </a:rPr>
+              <a:t>Buzz phrase: “Networks are programmed not configured”</a:t>
+            </a:r>
           </a:p>
         </p:txBody>
       </p:sp>
@@ -833,7 +2205,7 @@
     </p:spTree>
     <p:extLst>
       <p:ext uri="{BB962C8B-B14F-4D97-AF65-F5344CB8AC3E}">
-        <p14:creationId xmlns:p14="http://schemas.microsoft.com/office/powerpoint/2010/main" val="68749619"/>
+        <p14:creationId xmlns:p14="http://schemas.microsoft.com/office/powerpoint/2010/main" val="4233180312"/>
       </p:ext>
     </p:extLst>
   </p:cSld>
@@ -909,7 +2281,686 @@
             <a:fld id="{1FB3F3BB-132B-418B-8D02-CAC6A9422A35}" type="slidenum">
               <a:rPr lang="en-US" smtClean="0"/>
               <a:pPr/>
+              <a:t>3</a:t>
+            </a:fld>
+            <a:endParaRPr lang="en-US"/>
+          </a:p>
+        </p:txBody>
+      </p:sp>
+    </p:spTree>
+    <p:extLst>
+      <p:ext uri="{BB962C8B-B14F-4D97-AF65-F5344CB8AC3E}">
+        <p14:creationId xmlns:p14="http://schemas.microsoft.com/office/powerpoint/2010/main" val="68749619"/>
+      </p:ext>
+    </p:extLst>
+  </p:cSld>
+  <p:clrMapOvr>
+    <a:masterClrMapping/>
+  </p:clrMapOvr>
+</p:notes>
+</file>
+
+<file path=ppt/notesSlides/notesSlide4.xml><?xml version="1.0" encoding="utf-8"?>
+<p:notes xmlns:a="http://schemas.openxmlformats.org/drawingml/2006/main" xmlns:r="http://schemas.openxmlformats.org/officeDocument/2006/relationships" xmlns:p="http://schemas.openxmlformats.org/presentationml/2006/main">
+  <p:cSld>
+    <p:spTree>
+      <p:nvGrpSpPr>
+        <p:cNvPr id="1" name=""/>
+        <p:cNvGrpSpPr/>
+        <p:nvPr/>
+      </p:nvGrpSpPr>
+      <p:grpSpPr>
+        <a:xfrm>
+          <a:off x="0" y="0"/>
+          <a:ext cx="0" cy="0"/>
+          <a:chOff x="0" y="0"/>
+          <a:chExt cx="0" cy="0"/>
+        </a:xfrm>
+      </p:grpSpPr>
+      <p:sp>
+        <p:nvSpPr>
+          <p:cNvPr id="2" name="Slide Image Placeholder 1"/>
+          <p:cNvSpPr>
+            <a:spLocks noGrp="1" noRot="1" noChangeAspect="1"/>
+          </p:cNvSpPr>
+          <p:nvPr>
+            <p:ph type="sldImg"/>
+          </p:nvPr>
+        </p:nvSpPr>
+        <p:spPr/>
+      </p:sp>
+      <p:sp>
+        <p:nvSpPr>
+          <p:cNvPr id="3" name="Notes Placeholder 2"/>
+          <p:cNvSpPr>
+            <a:spLocks noGrp="1"/>
+          </p:cNvSpPr>
+          <p:nvPr>
+            <p:ph type="body" idx="1"/>
+          </p:nvPr>
+        </p:nvSpPr>
+        <p:spPr/>
+        <p:txBody>
+          <a:bodyPr/>
+          <a:lstStyle/>
+          <a:p>
+            <a:pPr rtl="0"/>
+            <a:r>
+              <a:rPr lang="en-US" sz="1200" b="0" i="0" u="none" strike="noStrike" kern="1200" dirty="0" smtClean="0">
+                <a:solidFill>
+                  <a:schemeClr val="tx1"/>
+                </a:solidFill>
+                <a:effectLst/>
+                <a:latin typeface="+mn-lt"/>
+                <a:ea typeface="+mn-ea"/>
+                <a:cs typeface="+mn-cs"/>
+              </a:rPr>
+              <a:t>Like here, I was thinking about talking more about the Bellman-Ford equations, and how they are useful in routing when a link “cost” goes down, but it’s difficult when one goes up, still easy to implement across the entire internet</a:t>
+            </a:r>
+            <a:endParaRPr lang="en-US" dirty="0" smtClean="0">
+              <a:effectLst/>
+            </a:endParaRPr>
+          </a:p>
+          <a:p>
+            <a:pPr marL="171450" indent="-171450" rtl="0" fontAlgn="base">
+              <a:buFont typeface="Arial" panose="020B0604020202020204" pitchFamily="34" charset="0"/>
+              <a:buChar char="•"/>
+            </a:pPr>
+            <a:r>
+              <a:rPr lang="en-US" sz="1200" b="0" i="0" u="none" strike="noStrike" kern="1200" dirty="0" smtClean="0">
+                <a:solidFill>
+                  <a:schemeClr val="tx1"/>
+                </a:solidFill>
+                <a:effectLst/>
+                <a:latin typeface="+mn-lt"/>
+                <a:ea typeface="+mn-ea"/>
+                <a:cs typeface="+mn-cs"/>
+              </a:rPr>
+              <a:t>Since limited intelligence at the core, you can scale it to the entire internet without a problem</a:t>
+            </a:r>
+          </a:p>
+          <a:p>
+            <a:pPr marL="171450" indent="-171450" rtl="0" fontAlgn="base">
+              <a:buFont typeface="Arial" panose="020B0604020202020204" pitchFamily="34" charset="0"/>
+              <a:buChar char="•"/>
+            </a:pPr>
+            <a:r>
+              <a:rPr lang="en-US" sz="1200" b="0" i="0" u="none" strike="noStrike" kern="1200" dirty="0" smtClean="0">
+                <a:solidFill>
+                  <a:schemeClr val="tx1"/>
+                </a:solidFill>
+                <a:effectLst/>
+                <a:latin typeface="+mn-lt"/>
+                <a:ea typeface="+mn-ea"/>
+                <a:cs typeface="+mn-cs"/>
+              </a:rPr>
+              <a:t>Proprietary information:</a:t>
+            </a:r>
+          </a:p>
+          <a:p>
+            <a:pPr marL="628650" lvl="1" indent="-171450" rtl="0" fontAlgn="base">
+              <a:buFont typeface="Arial" panose="020B0604020202020204" pitchFamily="34" charset="0"/>
+              <a:buChar char="•"/>
+            </a:pPr>
+            <a:r>
+              <a:rPr lang="en-US" sz="1200" b="0" i="0" u="none" strike="noStrike" kern="1200" dirty="0" err="1" smtClean="0">
+                <a:solidFill>
+                  <a:schemeClr val="tx1"/>
+                </a:solidFill>
+                <a:effectLst/>
+                <a:latin typeface="+mn-lt"/>
+                <a:ea typeface="+mn-ea"/>
+                <a:cs typeface="+mn-cs"/>
+              </a:rPr>
+              <a:t>cysco</a:t>
+            </a:r>
+            <a:r>
+              <a:rPr lang="en-US" sz="1200" b="0" i="0" u="none" strike="noStrike" kern="1200" dirty="0" smtClean="0">
+                <a:solidFill>
+                  <a:schemeClr val="tx1"/>
+                </a:solidFill>
+                <a:effectLst/>
+                <a:latin typeface="+mn-lt"/>
+                <a:ea typeface="+mn-ea"/>
+                <a:cs typeface="+mn-cs"/>
+              </a:rPr>
+              <a:t>, juniper, and </a:t>
+            </a:r>
+            <a:r>
+              <a:rPr lang="en-US" sz="1200" b="0" i="0" u="none" strike="noStrike" kern="1200" dirty="0" err="1" smtClean="0">
+                <a:solidFill>
+                  <a:schemeClr val="tx1"/>
+                </a:solidFill>
+                <a:effectLst/>
+                <a:latin typeface="+mn-lt"/>
+                <a:ea typeface="+mn-ea"/>
+                <a:cs typeface="+mn-cs"/>
+              </a:rPr>
+              <a:t>avia</a:t>
+            </a:r>
+            <a:r>
+              <a:rPr lang="en-US" sz="1200" b="0" i="0" u="none" strike="noStrike" kern="1200" dirty="0" smtClean="0">
+                <a:solidFill>
+                  <a:schemeClr val="tx1"/>
+                </a:solidFill>
+                <a:effectLst/>
+                <a:latin typeface="+mn-lt"/>
+                <a:ea typeface="+mn-ea"/>
+                <a:cs typeface="+mn-cs"/>
+              </a:rPr>
+              <a:t> control the market, </a:t>
+            </a:r>
+          </a:p>
+          <a:p>
+            <a:pPr marL="1085850" lvl="2" indent="-171450" rtl="0" fontAlgn="base">
+              <a:buFont typeface="Arial" panose="020B0604020202020204" pitchFamily="34" charset="0"/>
+              <a:buChar char="•"/>
+            </a:pPr>
+            <a:r>
+              <a:rPr lang="en-US" sz="1200" b="0" i="0" u="none" strike="noStrike" kern="1200" dirty="0" smtClean="0">
+                <a:solidFill>
+                  <a:schemeClr val="tx1"/>
+                </a:solidFill>
+                <a:effectLst/>
+                <a:latin typeface="+mn-lt"/>
+                <a:ea typeface="+mn-ea"/>
+                <a:cs typeface="+mn-cs"/>
+              </a:rPr>
+              <a:t>a lot of closed software that they support</a:t>
+            </a:r>
+            <a:r>
+              <a:rPr lang="en-US" dirty="0" smtClean="0"/>
+              <a:t/>
+            </a:r>
+            <a:br>
+              <a:rPr lang="en-US" dirty="0" smtClean="0"/>
+            </a:br>
+            <a:endParaRPr lang="en-US" dirty="0"/>
+          </a:p>
+        </p:txBody>
+      </p:sp>
+      <p:sp>
+        <p:nvSpPr>
+          <p:cNvPr id="4" name="Slide Number Placeholder 3"/>
+          <p:cNvSpPr>
+            <a:spLocks noGrp="1"/>
+          </p:cNvSpPr>
+          <p:nvPr>
+            <p:ph type="sldNum" sz="quarter" idx="10"/>
+          </p:nvPr>
+        </p:nvSpPr>
+        <p:spPr/>
+        <p:txBody>
+          <a:bodyPr/>
+          <a:lstStyle/>
+          <a:p>
+            <a:fld id="{1FB3F3BB-132B-418B-8D02-CAC6A9422A35}" type="slidenum">
+              <a:rPr lang="en-US" smtClean="0"/>
+              <a:pPr/>
+              <a:t>4</a:t>
+            </a:fld>
+            <a:endParaRPr lang="en-US"/>
+          </a:p>
+        </p:txBody>
+      </p:sp>
+    </p:spTree>
+    <p:extLst>
+      <p:ext uri="{BB962C8B-B14F-4D97-AF65-F5344CB8AC3E}">
+        <p14:creationId xmlns:p14="http://schemas.microsoft.com/office/powerpoint/2010/main" val="732235654"/>
+      </p:ext>
+    </p:extLst>
+  </p:cSld>
+  <p:clrMapOvr>
+    <a:masterClrMapping/>
+  </p:clrMapOvr>
+</p:notes>
+</file>
+
+<file path=ppt/notesSlides/notesSlide5.xml><?xml version="1.0" encoding="utf-8"?>
+<p:notes xmlns:a="http://schemas.openxmlformats.org/drawingml/2006/main" xmlns:r="http://schemas.openxmlformats.org/officeDocument/2006/relationships" xmlns:p="http://schemas.openxmlformats.org/presentationml/2006/main">
+  <p:cSld>
+    <p:spTree>
+      <p:nvGrpSpPr>
+        <p:cNvPr id="1" name=""/>
+        <p:cNvGrpSpPr/>
+        <p:nvPr/>
+      </p:nvGrpSpPr>
+      <p:grpSpPr>
+        <a:xfrm>
+          <a:off x="0" y="0"/>
+          <a:ext cx="0" cy="0"/>
+          <a:chOff x="0" y="0"/>
+          <a:chExt cx="0" cy="0"/>
+        </a:xfrm>
+      </p:grpSpPr>
+      <p:sp>
+        <p:nvSpPr>
+          <p:cNvPr id="2" name="Slide Image Placeholder 1"/>
+          <p:cNvSpPr>
+            <a:spLocks noGrp="1" noRot="1" noChangeAspect="1"/>
+          </p:cNvSpPr>
+          <p:nvPr>
+            <p:ph type="sldImg"/>
+          </p:nvPr>
+        </p:nvSpPr>
+        <p:spPr/>
+      </p:sp>
+      <p:sp>
+        <p:nvSpPr>
+          <p:cNvPr id="3" name="Notes Placeholder 2"/>
+          <p:cNvSpPr>
+            <a:spLocks noGrp="1"/>
+          </p:cNvSpPr>
+          <p:nvPr>
+            <p:ph type="body" idx="1"/>
+          </p:nvPr>
+        </p:nvSpPr>
+        <p:spPr/>
+        <p:txBody>
+          <a:bodyPr/>
+          <a:lstStyle/>
+          <a:p>
+            <a:pPr marL="171450" indent="-171450" rtl="0" fontAlgn="base">
+              <a:buFont typeface="Arial" panose="020B0604020202020204" pitchFamily="34" charset="0"/>
+              <a:buChar char="•"/>
+            </a:pPr>
+            <a:r>
+              <a:rPr lang="en-US" sz="1200" b="0" i="0" u="none" strike="noStrike" kern="1200" dirty="0" smtClean="0">
+                <a:solidFill>
+                  <a:schemeClr val="tx1"/>
+                </a:solidFill>
+                <a:effectLst/>
+                <a:latin typeface="+mn-lt"/>
+                <a:ea typeface="+mn-ea"/>
+                <a:cs typeface="+mn-cs"/>
+              </a:rPr>
+              <a:t>Routing Problems</a:t>
+            </a:r>
+          </a:p>
+          <a:p>
+            <a:pPr marL="628650" lvl="1" indent="-171450" rtl="0" fontAlgn="base">
+              <a:buFont typeface="Arial" panose="020B0604020202020204" pitchFamily="34" charset="0"/>
+              <a:buChar char="•"/>
+            </a:pPr>
+            <a:r>
+              <a:rPr lang="en-US" sz="1200" b="0" i="0" u="none" strike="noStrike" kern="1200" dirty="0" smtClean="0">
+                <a:solidFill>
+                  <a:schemeClr val="tx1"/>
+                </a:solidFill>
+                <a:effectLst/>
+                <a:latin typeface="+mn-lt"/>
+                <a:ea typeface="+mn-ea"/>
+                <a:cs typeface="+mn-cs"/>
+              </a:rPr>
+              <a:t>The algorithms are complex because they have to deal with asynchronous execution and no router has global information.</a:t>
+            </a:r>
+          </a:p>
+          <a:p>
+            <a:pPr marL="171450" indent="-171450" rtl="0" fontAlgn="base">
+              <a:buFont typeface="Arial" panose="020B0604020202020204" pitchFamily="34" charset="0"/>
+              <a:buChar char="•"/>
+            </a:pPr>
+            <a:r>
+              <a:rPr lang="en-US" sz="1200" b="0" i="0" u="none" strike="noStrike" kern="1200" dirty="0" smtClean="0">
+                <a:solidFill>
+                  <a:schemeClr val="tx1"/>
+                </a:solidFill>
+                <a:effectLst/>
+                <a:latin typeface="+mn-lt"/>
+                <a:ea typeface="+mn-ea"/>
+                <a:cs typeface="+mn-cs"/>
+              </a:rPr>
+              <a:t>Network Topology</a:t>
+            </a:r>
+          </a:p>
+          <a:p>
+            <a:pPr marL="628650" lvl="1" indent="-171450" rtl="0" fontAlgn="base">
+              <a:buFont typeface="Arial" panose="020B0604020202020204" pitchFamily="34" charset="0"/>
+              <a:buChar char="•"/>
+            </a:pPr>
+            <a:r>
+              <a:rPr lang="en-US" sz="1200" b="0" i="0" u="none" strike="noStrike" kern="1200" dirty="0" smtClean="0">
+                <a:solidFill>
+                  <a:schemeClr val="tx1"/>
+                </a:solidFill>
+                <a:effectLst/>
+                <a:latin typeface="+mn-lt"/>
+                <a:ea typeface="+mn-ea"/>
+                <a:cs typeface="+mn-cs"/>
+              </a:rPr>
+              <a:t>large overhead for routers to have global topology information; need lots of memory in each router</a:t>
+            </a:r>
+          </a:p>
+          <a:p>
+            <a:pPr marL="171450" indent="-171450" rtl="0" fontAlgn="base">
+              <a:buFont typeface="Arial" panose="020B0604020202020204" pitchFamily="34" charset="0"/>
+              <a:buChar char="•"/>
+            </a:pPr>
+            <a:r>
+              <a:rPr lang="en-US" sz="1200" b="0" i="0" u="none" strike="noStrike" kern="1200" dirty="0" smtClean="0">
+                <a:solidFill>
+                  <a:schemeClr val="tx1"/>
+                </a:solidFill>
+                <a:effectLst/>
+                <a:latin typeface="+mn-lt"/>
+                <a:ea typeface="+mn-ea"/>
+                <a:cs typeface="+mn-cs"/>
+              </a:rPr>
+              <a:t>Expensive router hardware</a:t>
+            </a:r>
+          </a:p>
+          <a:p>
+            <a:pPr marL="628650" lvl="1" indent="-171450" rtl="0" fontAlgn="base">
+              <a:buFont typeface="Arial" panose="020B0604020202020204" pitchFamily="34" charset="0"/>
+              <a:buChar char="•"/>
+            </a:pPr>
+            <a:r>
+              <a:rPr lang="en-US" sz="1200" b="0" i="0" u="none" strike="noStrike" kern="1200" dirty="0" smtClean="0">
+                <a:solidFill>
+                  <a:schemeClr val="tx1"/>
+                </a:solidFill>
+                <a:effectLst/>
+                <a:latin typeface="+mn-lt"/>
+                <a:ea typeface="+mn-ea"/>
+                <a:cs typeface="+mn-cs"/>
+              </a:rPr>
+              <a:t>Router hardware is expensive because each router needs to be able to run routing algorithms.</a:t>
+            </a:r>
+          </a:p>
+          <a:p>
+            <a:pPr marL="171450" indent="-171450" rtl="0" fontAlgn="base">
+              <a:buFont typeface="Arial" panose="020B0604020202020204" pitchFamily="34" charset="0"/>
+              <a:buChar char="•"/>
+            </a:pPr>
+            <a:r>
+              <a:rPr lang="en-US" sz="1200" b="0" i="0" u="none" strike="noStrike" kern="1200" dirty="0" smtClean="0">
+                <a:solidFill>
+                  <a:schemeClr val="tx1"/>
+                </a:solidFill>
+                <a:effectLst/>
+                <a:latin typeface="+mn-lt"/>
+                <a:ea typeface="+mn-ea"/>
+                <a:cs typeface="+mn-cs"/>
+              </a:rPr>
+              <a:t>Hard to update routers</a:t>
+            </a:r>
+          </a:p>
+          <a:p>
+            <a:pPr marL="628650" lvl="1" indent="-171450" rtl="0" fontAlgn="base">
+              <a:buFont typeface="Arial" panose="020B0604020202020204" pitchFamily="34" charset="0"/>
+              <a:buChar char="•"/>
+            </a:pPr>
+            <a:r>
+              <a:rPr lang="en-US" sz="1200" b="0" i="0" u="none" strike="noStrike" kern="1200" dirty="0" smtClean="0">
+                <a:solidFill>
+                  <a:schemeClr val="tx1"/>
+                </a:solidFill>
+                <a:effectLst/>
+                <a:latin typeface="+mn-lt"/>
+                <a:ea typeface="+mn-ea"/>
+                <a:cs typeface="+mn-cs"/>
+              </a:rPr>
+              <a:t>It’s hard to update forwarding tables because routing needed to be initiated in each individual router.</a:t>
+            </a:r>
+          </a:p>
+          <a:p>
+            <a:pPr marL="171450" indent="-171450" rtl="0" fontAlgn="base">
+              <a:buFont typeface="Arial" panose="020B0604020202020204" pitchFamily="34" charset="0"/>
+              <a:buChar char="•"/>
+            </a:pPr>
+            <a:r>
+              <a:rPr lang="en-US" sz="1200" b="0" i="0" u="none" strike="noStrike" kern="1200" dirty="0" smtClean="0">
+                <a:solidFill>
+                  <a:schemeClr val="tx1"/>
+                </a:solidFill>
+                <a:effectLst/>
+                <a:latin typeface="+mn-lt"/>
+                <a:ea typeface="+mn-ea"/>
+                <a:cs typeface="+mn-cs"/>
+              </a:rPr>
+              <a:t>Proprietary </a:t>
+            </a:r>
+          </a:p>
+          <a:p>
+            <a:pPr marL="628650" lvl="1" indent="-171450" rtl="0" fontAlgn="base">
+              <a:buFont typeface="Arial" panose="020B0604020202020204" pitchFamily="34" charset="0"/>
+              <a:buChar char="•"/>
+            </a:pPr>
+            <a:r>
+              <a:rPr lang="en-US" sz="1200" b="0" i="0" u="none" strike="noStrike" kern="1200" dirty="0" smtClean="0">
+                <a:solidFill>
+                  <a:schemeClr val="tx1"/>
+                </a:solidFill>
+                <a:effectLst/>
+                <a:latin typeface="+mn-lt"/>
+                <a:ea typeface="+mn-ea"/>
+                <a:cs typeface="+mn-cs"/>
+              </a:rPr>
+              <a:t>Have to stick to a platform, or change the entire system</a:t>
+            </a:r>
+          </a:p>
+        </p:txBody>
+      </p:sp>
+      <p:sp>
+        <p:nvSpPr>
+          <p:cNvPr id="4" name="Slide Number Placeholder 3"/>
+          <p:cNvSpPr>
+            <a:spLocks noGrp="1"/>
+          </p:cNvSpPr>
+          <p:nvPr>
+            <p:ph type="sldNum" sz="quarter" idx="10"/>
+          </p:nvPr>
+        </p:nvSpPr>
+        <p:spPr/>
+        <p:txBody>
+          <a:bodyPr/>
+          <a:lstStyle/>
+          <a:p>
+            <a:fld id="{1FB3F3BB-132B-418B-8D02-CAC6A9422A35}" type="slidenum">
+              <a:rPr lang="en-US" smtClean="0"/>
+              <a:pPr/>
+              <a:t>5</a:t>
+            </a:fld>
+            <a:endParaRPr lang="en-US"/>
+          </a:p>
+        </p:txBody>
+      </p:sp>
+    </p:spTree>
+    <p:extLst>
+      <p:ext uri="{BB962C8B-B14F-4D97-AF65-F5344CB8AC3E}">
+        <p14:creationId xmlns:p14="http://schemas.microsoft.com/office/powerpoint/2010/main" val="820111579"/>
+      </p:ext>
+    </p:extLst>
+  </p:cSld>
+  <p:clrMapOvr>
+    <a:masterClrMapping/>
+  </p:clrMapOvr>
+</p:notes>
+</file>
+
+<file path=ppt/notesSlides/notesSlide6.xml><?xml version="1.0" encoding="utf-8"?>
+<p:notes xmlns:a="http://schemas.openxmlformats.org/drawingml/2006/main" xmlns:r="http://schemas.openxmlformats.org/officeDocument/2006/relationships" xmlns:p="http://schemas.openxmlformats.org/presentationml/2006/main">
+  <p:cSld>
+    <p:spTree>
+      <p:nvGrpSpPr>
+        <p:cNvPr id="1" name=""/>
+        <p:cNvGrpSpPr/>
+        <p:nvPr/>
+      </p:nvGrpSpPr>
+      <p:grpSpPr>
+        <a:xfrm>
+          <a:off x="0" y="0"/>
+          <a:ext cx="0" cy="0"/>
+          <a:chOff x="0" y="0"/>
+          <a:chExt cx="0" cy="0"/>
+        </a:xfrm>
+      </p:grpSpPr>
+      <p:sp>
+        <p:nvSpPr>
+          <p:cNvPr id="2" name="Slide Image Placeholder 1"/>
+          <p:cNvSpPr>
+            <a:spLocks noGrp="1" noRot="1" noChangeAspect="1"/>
+          </p:cNvSpPr>
+          <p:nvPr>
+            <p:ph type="sldImg"/>
+          </p:nvPr>
+        </p:nvSpPr>
+        <p:spPr/>
+      </p:sp>
+      <p:sp>
+        <p:nvSpPr>
+          <p:cNvPr id="3" name="Notes Placeholder 2"/>
+          <p:cNvSpPr>
+            <a:spLocks noGrp="1"/>
+          </p:cNvSpPr>
+          <p:nvPr>
+            <p:ph type="body" idx="1"/>
+          </p:nvPr>
+        </p:nvSpPr>
+        <p:spPr/>
+        <p:txBody>
+          <a:bodyPr/>
+          <a:lstStyle/>
+          <a:p>
+            <a:pPr marL="0" marR="0" indent="0" algn="l" defTabSz="914400" rtl="0" eaLnBrk="1" fontAlgn="auto" latinLnBrk="0" hangingPunct="1">
+              <a:lnSpc>
+                <a:spcPct val="100000"/>
+              </a:lnSpc>
+              <a:spcBef>
+                <a:spcPts val="0"/>
+              </a:spcBef>
+              <a:spcAft>
+                <a:spcPts val="0"/>
+              </a:spcAft>
+              <a:buClrTx/>
+              <a:buSzTx/>
+              <a:buFontTx/>
+              <a:buNone/>
+              <a:tabLst/>
+              <a:defRPr/>
+            </a:pPr>
+            <a:r>
+              <a:rPr lang="en-US" sz="1200" b="0" i="0" u="none" strike="noStrike" kern="1200" dirty="0" smtClean="0">
+                <a:solidFill>
+                  <a:schemeClr val="tx1"/>
+                </a:solidFill>
+                <a:effectLst/>
+                <a:latin typeface="+mn-lt"/>
+                <a:ea typeface="+mn-ea"/>
+                <a:cs typeface="+mn-cs"/>
+              </a:rPr>
+              <a:t>Talk about the various routing algorithms a current router might use</a:t>
+            </a:r>
+            <a:endParaRPr lang="en-US" dirty="0" smtClean="0">
+              <a:effectLst/>
+            </a:endParaRPr>
+          </a:p>
+        </p:txBody>
+      </p:sp>
+      <p:sp>
+        <p:nvSpPr>
+          <p:cNvPr id="4" name="Slide Number Placeholder 3"/>
+          <p:cNvSpPr>
+            <a:spLocks noGrp="1"/>
+          </p:cNvSpPr>
+          <p:nvPr>
+            <p:ph type="sldNum" sz="quarter" idx="10"/>
+          </p:nvPr>
+        </p:nvSpPr>
+        <p:spPr/>
+        <p:txBody>
+          <a:bodyPr/>
+          <a:lstStyle/>
+          <a:p>
+            <a:fld id="{1FB3F3BB-132B-418B-8D02-CAC6A9422A35}" type="slidenum">
+              <a:rPr lang="en-US" smtClean="0"/>
+              <a:pPr/>
               <a:t>6</a:t>
+            </a:fld>
+            <a:endParaRPr lang="en-US"/>
+          </a:p>
+        </p:txBody>
+      </p:sp>
+    </p:spTree>
+    <p:extLst>
+      <p:ext uri="{BB962C8B-B14F-4D97-AF65-F5344CB8AC3E}">
+        <p14:creationId xmlns:p14="http://schemas.microsoft.com/office/powerpoint/2010/main" val="3962941815"/>
+      </p:ext>
+    </p:extLst>
+  </p:cSld>
+  <p:clrMapOvr>
+    <a:masterClrMapping/>
+  </p:clrMapOvr>
+</p:notes>
+</file>
+
+<file path=ppt/notesSlides/notesSlide7.xml><?xml version="1.0" encoding="utf-8"?>
+<p:notes xmlns:a="http://schemas.openxmlformats.org/drawingml/2006/main" xmlns:r="http://schemas.openxmlformats.org/officeDocument/2006/relationships" xmlns:p="http://schemas.openxmlformats.org/presentationml/2006/main">
+  <p:cSld>
+    <p:spTree>
+      <p:nvGrpSpPr>
+        <p:cNvPr id="1" name=""/>
+        <p:cNvGrpSpPr/>
+        <p:nvPr/>
+      </p:nvGrpSpPr>
+      <p:grpSpPr>
+        <a:xfrm>
+          <a:off x="0" y="0"/>
+          <a:ext cx="0" cy="0"/>
+          <a:chOff x="0" y="0"/>
+          <a:chExt cx="0" cy="0"/>
+        </a:xfrm>
+      </p:grpSpPr>
+      <p:sp>
+        <p:nvSpPr>
+          <p:cNvPr id="2" name="Slide Image Placeholder 1"/>
+          <p:cNvSpPr>
+            <a:spLocks noGrp="1" noRot="1" noChangeAspect="1"/>
+          </p:cNvSpPr>
+          <p:nvPr>
+            <p:ph type="sldImg"/>
+          </p:nvPr>
+        </p:nvSpPr>
+        <p:spPr/>
+      </p:sp>
+      <p:sp>
+        <p:nvSpPr>
+          <p:cNvPr id="3" name="Notes Placeholder 2"/>
+          <p:cNvSpPr>
+            <a:spLocks noGrp="1"/>
+          </p:cNvSpPr>
+          <p:nvPr>
+            <p:ph type="body" idx="1"/>
+          </p:nvPr>
+        </p:nvSpPr>
+        <p:spPr/>
+        <p:txBody>
+          <a:bodyPr/>
+          <a:lstStyle/>
+          <a:p>
+            <a:endParaRPr lang="en-US"/>
+          </a:p>
+        </p:txBody>
+      </p:sp>
+      <p:sp>
+        <p:nvSpPr>
+          <p:cNvPr id="4" name="Slide Number Placeholder 3"/>
+          <p:cNvSpPr>
+            <a:spLocks noGrp="1"/>
+          </p:cNvSpPr>
+          <p:nvPr>
+            <p:ph type="sldNum" sz="quarter" idx="10"/>
+          </p:nvPr>
+        </p:nvSpPr>
+        <p:spPr/>
+        <p:txBody>
+          <a:bodyPr/>
+          <a:lstStyle/>
+          <a:p>
+            <a:fld id="{1FB3F3BB-132B-418B-8D02-CAC6A9422A35}" type="slidenum">
+              <a:rPr lang="en-US" smtClean="0"/>
+              <a:pPr/>
+              <a:t>7</a:t>
             </a:fld>
             <a:endParaRPr lang="en-US"/>
           </a:p>
@@ -919,6 +2970,446 @@
     <p:extLst>
       <p:ext uri="{BB962C8B-B14F-4D97-AF65-F5344CB8AC3E}">
         <p14:creationId xmlns:p14="http://schemas.microsoft.com/office/powerpoint/2010/main" val="1156609818"/>
+      </p:ext>
+    </p:extLst>
+  </p:cSld>
+  <p:clrMapOvr>
+    <a:masterClrMapping/>
+  </p:clrMapOvr>
+</p:notes>
+</file>
+
+<file path=ppt/notesSlides/notesSlide8.xml><?xml version="1.0" encoding="utf-8"?>
+<p:notes xmlns:a="http://schemas.openxmlformats.org/drawingml/2006/main" xmlns:r="http://schemas.openxmlformats.org/officeDocument/2006/relationships" xmlns:p="http://schemas.openxmlformats.org/presentationml/2006/main">
+  <p:cSld>
+    <p:spTree>
+      <p:nvGrpSpPr>
+        <p:cNvPr id="1" name=""/>
+        <p:cNvGrpSpPr/>
+        <p:nvPr/>
+      </p:nvGrpSpPr>
+      <p:grpSpPr>
+        <a:xfrm>
+          <a:off x="0" y="0"/>
+          <a:ext cx="0" cy="0"/>
+          <a:chOff x="0" y="0"/>
+          <a:chExt cx="0" cy="0"/>
+        </a:xfrm>
+      </p:grpSpPr>
+      <p:sp>
+        <p:nvSpPr>
+          <p:cNvPr id="2" name="Slide Image Placeholder 1"/>
+          <p:cNvSpPr>
+            <a:spLocks noGrp="1" noRot="1" noChangeAspect="1"/>
+          </p:cNvSpPr>
+          <p:nvPr>
+            <p:ph type="sldImg"/>
+          </p:nvPr>
+        </p:nvSpPr>
+        <p:spPr/>
+      </p:sp>
+      <p:sp>
+        <p:nvSpPr>
+          <p:cNvPr id="3" name="Notes Placeholder 2"/>
+          <p:cNvSpPr>
+            <a:spLocks noGrp="1"/>
+          </p:cNvSpPr>
+          <p:nvPr>
+            <p:ph type="body" idx="1"/>
+          </p:nvPr>
+        </p:nvSpPr>
+        <p:spPr/>
+        <p:txBody>
+          <a:bodyPr/>
+          <a:lstStyle/>
+          <a:p>
+            <a:pPr marL="171450" indent="-171450" rtl="0" fontAlgn="base">
+              <a:buFont typeface="Arial" panose="020B0604020202020204" pitchFamily="34" charset="0"/>
+              <a:buChar char="•"/>
+            </a:pPr>
+            <a:r>
+              <a:rPr lang="en-US" sz="1200" b="0" i="0" u="none" strike="noStrike" kern="1200" dirty="0" smtClean="0">
+                <a:solidFill>
+                  <a:schemeClr val="tx1"/>
+                </a:solidFill>
+                <a:effectLst/>
+                <a:latin typeface="+mn-lt"/>
+                <a:ea typeface="+mn-ea"/>
+                <a:cs typeface="+mn-cs"/>
+              </a:rPr>
+              <a:t>Routing</a:t>
+            </a:r>
+          </a:p>
+          <a:p>
+            <a:pPr marL="628650" lvl="1" indent="-171450" rtl="0" fontAlgn="base">
+              <a:buFont typeface="Arial" panose="020B0604020202020204" pitchFamily="34" charset="0"/>
+              <a:buChar char="•"/>
+            </a:pPr>
+            <a:r>
+              <a:rPr lang="en-US" sz="1200" b="0" i="0" u="none" strike="noStrike" kern="1200" dirty="0" smtClean="0">
+                <a:solidFill>
+                  <a:schemeClr val="tx1"/>
+                </a:solidFill>
+                <a:effectLst/>
+                <a:latin typeface="+mn-lt"/>
+                <a:ea typeface="+mn-ea"/>
+                <a:cs typeface="+mn-cs"/>
+              </a:rPr>
+              <a:t>simple algorithms because of global information</a:t>
+            </a:r>
+          </a:p>
+          <a:p>
+            <a:pPr marL="171450" indent="-171450" rtl="0" fontAlgn="base">
+              <a:buFont typeface="Arial" panose="020B0604020202020204" pitchFamily="34" charset="0"/>
+              <a:buChar char="•"/>
+            </a:pPr>
+            <a:r>
+              <a:rPr lang="en-US" sz="1200" b="0" i="0" u="none" strike="noStrike" kern="1200" dirty="0" smtClean="0">
+                <a:solidFill>
+                  <a:schemeClr val="tx1"/>
+                </a:solidFill>
+                <a:effectLst/>
+                <a:latin typeface="+mn-lt"/>
+                <a:ea typeface="+mn-ea"/>
+                <a:cs typeface="+mn-cs"/>
+              </a:rPr>
+              <a:t>Network Topology</a:t>
+            </a:r>
+          </a:p>
+          <a:p>
+            <a:pPr marL="628650" lvl="1" indent="-171450" rtl="0" fontAlgn="base">
+              <a:buFont typeface="Arial" panose="020B0604020202020204" pitchFamily="34" charset="0"/>
+              <a:buChar char="•"/>
+            </a:pPr>
+            <a:r>
+              <a:rPr lang="en-US" sz="1200" b="0" i="0" u="none" strike="noStrike" kern="1200" dirty="0" smtClean="0">
+                <a:solidFill>
+                  <a:schemeClr val="tx1"/>
+                </a:solidFill>
+                <a:effectLst/>
+                <a:latin typeface="+mn-lt"/>
+                <a:ea typeface="+mn-ea"/>
+                <a:cs typeface="+mn-cs"/>
+              </a:rPr>
+              <a:t>Controller can have global state information with no overhead for routers. still needs lots of memory, but only in controller</a:t>
+            </a:r>
+          </a:p>
+          <a:p>
+            <a:pPr marL="171450" indent="-171450" rtl="0" fontAlgn="base">
+              <a:buFont typeface="Arial" panose="020B0604020202020204" pitchFamily="34" charset="0"/>
+              <a:buChar char="•"/>
+            </a:pPr>
+            <a:r>
+              <a:rPr lang="en-US" sz="1200" b="0" i="0" u="none" strike="noStrike" kern="1200" dirty="0" smtClean="0">
+                <a:solidFill>
+                  <a:schemeClr val="tx1"/>
+                </a:solidFill>
+                <a:effectLst/>
+                <a:latin typeface="+mn-lt"/>
+                <a:ea typeface="+mn-ea"/>
+                <a:cs typeface="+mn-cs"/>
+              </a:rPr>
+              <a:t>Inexpensive router hardware</a:t>
+            </a:r>
+          </a:p>
+          <a:p>
+            <a:pPr marL="628650" lvl="1" indent="-171450" rtl="0" fontAlgn="base">
+              <a:buFont typeface="Arial" panose="020B0604020202020204" pitchFamily="34" charset="0"/>
+              <a:buChar char="•"/>
+            </a:pPr>
+            <a:r>
+              <a:rPr lang="en-US" sz="1200" b="0" i="0" u="none" strike="noStrike" kern="1200" dirty="0" smtClean="0">
+                <a:solidFill>
+                  <a:schemeClr val="tx1"/>
+                </a:solidFill>
+                <a:effectLst/>
+                <a:latin typeface="+mn-lt"/>
+                <a:ea typeface="+mn-ea"/>
+                <a:cs typeface="+mn-cs"/>
+              </a:rPr>
+              <a:t>routers only need to handle forwarding, not routing</a:t>
+            </a:r>
+          </a:p>
+          <a:p>
+            <a:pPr marL="171450" indent="-171450" rtl="0" fontAlgn="base">
+              <a:buFont typeface="Arial" panose="020B0604020202020204" pitchFamily="34" charset="0"/>
+              <a:buChar char="•"/>
+            </a:pPr>
+            <a:r>
+              <a:rPr lang="en-US" sz="1200" b="0" i="0" u="none" strike="noStrike" kern="1200" dirty="0" smtClean="0">
+                <a:solidFill>
+                  <a:schemeClr val="tx1"/>
+                </a:solidFill>
+                <a:effectLst/>
+                <a:latin typeface="+mn-lt"/>
+                <a:ea typeface="+mn-ea"/>
+                <a:cs typeface="+mn-cs"/>
+              </a:rPr>
+              <a:t>More dynamic changes</a:t>
+            </a:r>
+          </a:p>
+          <a:p>
+            <a:pPr marL="628650" lvl="1" indent="-171450" rtl="0" fontAlgn="base">
+              <a:buFont typeface="Arial" panose="020B0604020202020204" pitchFamily="34" charset="0"/>
+              <a:buChar char="•"/>
+            </a:pPr>
+            <a:r>
+              <a:rPr lang="en-US" sz="1200" b="0" i="0" u="none" strike="noStrike" kern="1200" dirty="0" smtClean="0">
+                <a:solidFill>
+                  <a:schemeClr val="tx1"/>
+                </a:solidFill>
+                <a:effectLst/>
+                <a:latin typeface="+mn-lt"/>
+                <a:ea typeface="+mn-ea"/>
+                <a:cs typeface="+mn-cs"/>
+              </a:rPr>
+              <a:t>changes are all handled by central server</a:t>
+            </a:r>
+          </a:p>
+        </p:txBody>
+      </p:sp>
+      <p:sp>
+        <p:nvSpPr>
+          <p:cNvPr id="4" name="Slide Number Placeholder 3"/>
+          <p:cNvSpPr>
+            <a:spLocks noGrp="1"/>
+          </p:cNvSpPr>
+          <p:nvPr>
+            <p:ph type="sldNum" sz="quarter" idx="10"/>
+          </p:nvPr>
+        </p:nvSpPr>
+        <p:spPr/>
+        <p:txBody>
+          <a:bodyPr/>
+          <a:lstStyle/>
+          <a:p>
+            <a:fld id="{1FB3F3BB-132B-418B-8D02-CAC6A9422A35}" type="slidenum">
+              <a:rPr lang="en-US" smtClean="0"/>
+              <a:pPr/>
+              <a:t>8</a:t>
+            </a:fld>
+            <a:endParaRPr lang="en-US"/>
+          </a:p>
+        </p:txBody>
+      </p:sp>
+    </p:spTree>
+    <p:extLst>
+      <p:ext uri="{BB962C8B-B14F-4D97-AF65-F5344CB8AC3E}">
+        <p14:creationId xmlns:p14="http://schemas.microsoft.com/office/powerpoint/2010/main" val="768928922"/>
+      </p:ext>
+    </p:extLst>
+  </p:cSld>
+  <p:clrMapOvr>
+    <a:masterClrMapping/>
+  </p:clrMapOvr>
+</p:notes>
+</file>
+
+<file path=ppt/notesSlides/notesSlide9.xml><?xml version="1.0" encoding="utf-8"?>
+<p:notes xmlns:a="http://schemas.openxmlformats.org/drawingml/2006/main" xmlns:r="http://schemas.openxmlformats.org/officeDocument/2006/relationships" xmlns:p="http://schemas.openxmlformats.org/presentationml/2006/main">
+  <p:cSld>
+    <p:spTree>
+      <p:nvGrpSpPr>
+        <p:cNvPr id="1" name=""/>
+        <p:cNvGrpSpPr/>
+        <p:nvPr/>
+      </p:nvGrpSpPr>
+      <p:grpSpPr>
+        <a:xfrm>
+          <a:off x="0" y="0"/>
+          <a:ext cx="0" cy="0"/>
+          <a:chOff x="0" y="0"/>
+          <a:chExt cx="0" cy="0"/>
+        </a:xfrm>
+      </p:grpSpPr>
+      <p:sp>
+        <p:nvSpPr>
+          <p:cNvPr id="2" name="Slide Image Placeholder 1"/>
+          <p:cNvSpPr>
+            <a:spLocks noGrp="1" noRot="1" noChangeAspect="1"/>
+          </p:cNvSpPr>
+          <p:nvPr>
+            <p:ph type="sldImg"/>
+          </p:nvPr>
+        </p:nvSpPr>
+        <p:spPr/>
+      </p:sp>
+      <p:sp>
+        <p:nvSpPr>
+          <p:cNvPr id="3" name="Notes Placeholder 2"/>
+          <p:cNvSpPr>
+            <a:spLocks noGrp="1"/>
+          </p:cNvSpPr>
+          <p:nvPr>
+            <p:ph type="body" idx="1"/>
+          </p:nvPr>
+        </p:nvSpPr>
+        <p:spPr/>
+        <p:txBody>
+          <a:bodyPr/>
+          <a:lstStyle/>
+          <a:p>
+            <a:pPr marL="171450" indent="-171450" rtl="0" fontAlgn="base">
+              <a:buFont typeface="Arial" panose="020B0604020202020204" pitchFamily="34" charset="0"/>
+              <a:buChar char="•"/>
+            </a:pPr>
+            <a:r>
+              <a:rPr lang="en-US" sz="1200" b="0" i="0" u="none" strike="noStrike" kern="1200" dirty="0" smtClean="0">
+                <a:solidFill>
+                  <a:schemeClr val="tx1"/>
+                </a:solidFill>
+                <a:effectLst/>
+                <a:latin typeface="+mn-lt"/>
+                <a:ea typeface="+mn-ea"/>
+                <a:cs typeface="+mn-cs"/>
+              </a:rPr>
+              <a:t>Single point of failure</a:t>
+            </a:r>
+          </a:p>
+          <a:p>
+            <a:pPr marL="628650" lvl="1" indent="-171450" rtl="0" fontAlgn="base">
+              <a:buFont typeface="Arial" panose="020B0604020202020204" pitchFamily="34" charset="0"/>
+              <a:buChar char="•"/>
+            </a:pPr>
+            <a:r>
+              <a:rPr lang="en-US" sz="1200" b="0" i="0" u="none" strike="noStrike" kern="1200" dirty="0" smtClean="0">
+                <a:solidFill>
+                  <a:schemeClr val="tx1"/>
+                </a:solidFill>
+                <a:effectLst/>
+                <a:latin typeface="+mn-lt"/>
+                <a:ea typeface="+mn-ea"/>
+                <a:cs typeface="+mn-cs"/>
+              </a:rPr>
+              <a:t>if a single controller fails, potentially all forwarding tables become non-updatable</a:t>
+            </a:r>
+          </a:p>
+          <a:p>
+            <a:pPr marL="171450" indent="-171450" rtl="0" fontAlgn="base">
+              <a:buFont typeface="Arial" panose="020B0604020202020204" pitchFamily="34" charset="0"/>
+              <a:buChar char="•"/>
+            </a:pPr>
+            <a:r>
+              <a:rPr lang="en-US" sz="1200" b="0" i="0" u="none" strike="noStrike" kern="1200" dirty="0" smtClean="0">
+                <a:solidFill>
+                  <a:schemeClr val="tx1"/>
+                </a:solidFill>
+                <a:effectLst/>
+                <a:latin typeface="+mn-lt"/>
+                <a:ea typeface="+mn-ea"/>
+                <a:cs typeface="+mn-cs"/>
+              </a:rPr>
+              <a:t>universal protocol</a:t>
+            </a:r>
+          </a:p>
+          <a:p>
+            <a:pPr marL="628650" lvl="1" indent="-171450" rtl="0" fontAlgn="base">
+              <a:buFont typeface="Arial" panose="020B0604020202020204" pitchFamily="34" charset="0"/>
+              <a:buChar char="•"/>
+            </a:pPr>
+            <a:r>
+              <a:rPr lang="en-US" sz="1200" b="0" i="0" u="none" strike="noStrike" kern="1200" dirty="0" smtClean="0">
+                <a:solidFill>
+                  <a:schemeClr val="tx1"/>
+                </a:solidFill>
+                <a:effectLst/>
+                <a:latin typeface="+mn-lt"/>
+                <a:ea typeface="+mn-ea"/>
+                <a:cs typeface="+mn-cs"/>
+              </a:rPr>
+              <a:t>Define </a:t>
+            </a:r>
+            <a:r>
+              <a:rPr lang="en-US" sz="1200" b="0" i="0" u="none" strike="noStrike" kern="1200" dirty="0" err="1" smtClean="0">
+                <a:solidFill>
+                  <a:schemeClr val="tx1"/>
+                </a:solidFill>
+                <a:effectLst/>
+                <a:latin typeface="+mn-lt"/>
+                <a:ea typeface="+mn-ea"/>
+                <a:cs typeface="+mn-cs"/>
+              </a:rPr>
+              <a:t>OpenFlow</a:t>
+            </a:r>
+            <a:r>
+              <a:rPr lang="en-US" sz="1200" b="0" i="0" u="none" strike="noStrike" kern="1200" dirty="0" smtClean="0">
+                <a:solidFill>
+                  <a:schemeClr val="tx1"/>
+                </a:solidFill>
+                <a:effectLst/>
+                <a:latin typeface="+mn-lt"/>
+                <a:ea typeface="+mn-ea"/>
+                <a:cs typeface="+mn-cs"/>
+              </a:rPr>
+              <a:t>, talk about why there needs to be a protocol</a:t>
+            </a:r>
+          </a:p>
+          <a:p>
+            <a:pPr marL="171450" indent="-171450" rtl="0" fontAlgn="base">
+              <a:buFont typeface="Arial" panose="020B0604020202020204" pitchFamily="34" charset="0"/>
+              <a:buChar char="•"/>
+            </a:pPr>
+            <a:r>
+              <a:rPr lang="en-US" sz="1200" b="0" i="0" u="none" strike="noStrike" kern="1200" dirty="0" smtClean="0">
+                <a:solidFill>
+                  <a:schemeClr val="tx1"/>
+                </a:solidFill>
+                <a:effectLst/>
+                <a:latin typeface="+mn-lt"/>
+                <a:ea typeface="+mn-ea"/>
+                <a:cs typeface="+mn-cs"/>
+              </a:rPr>
+              <a:t>scalability</a:t>
+            </a:r>
+          </a:p>
+          <a:p>
+            <a:pPr marL="628650" lvl="1" indent="-171450" rtl="0" fontAlgn="base">
+              <a:buFont typeface="Arial" panose="020B0604020202020204" pitchFamily="34" charset="0"/>
+              <a:buChar char="•"/>
+            </a:pPr>
+            <a:r>
+              <a:rPr lang="en-US" sz="1200" b="0" i="0" u="none" strike="noStrike" kern="1200" dirty="0" smtClean="0">
+                <a:solidFill>
+                  <a:schemeClr val="tx1"/>
+                </a:solidFill>
+                <a:effectLst/>
+                <a:latin typeface="+mn-lt"/>
+                <a:ea typeface="+mn-ea"/>
+                <a:cs typeface="+mn-cs"/>
+              </a:rPr>
+              <a:t>very good and easy to implement on any scale intranet, impossible for entire Internet</a:t>
+            </a:r>
+          </a:p>
+        </p:txBody>
+      </p:sp>
+      <p:sp>
+        <p:nvSpPr>
+          <p:cNvPr id="4" name="Slide Number Placeholder 3"/>
+          <p:cNvSpPr>
+            <a:spLocks noGrp="1"/>
+          </p:cNvSpPr>
+          <p:nvPr>
+            <p:ph type="sldNum" sz="quarter" idx="10"/>
+          </p:nvPr>
+        </p:nvSpPr>
+        <p:spPr/>
+        <p:txBody>
+          <a:bodyPr/>
+          <a:lstStyle/>
+          <a:p>
+            <a:fld id="{1FB3F3BB-132B-418B-8D02-CAC6A9422A35}" type="slidenum">
+              <a:rPr lang="en-US" smtClean="0"/>
+              <a:pPr/>
+              <a:t>9</a:t>
+            </a:fld>
+            <a:endParaRPr lang="en-US"/>
+          </a:p>
+        </p:txBody>
+      </p:sp>
+    </p:spTree>
+    <p:extLst>
+      <p:ext uri="{BB962C8B-B14F-4D97-AF65-F5344CB8AC3E}">
+        <p14:creationId xmlns:p14="http://schemas.microsoft.com/office/powerpoint/2010/main" val="2453663718"/>
       </p:ext>
     </p:extLst>
   </p:cSld>
@@ -5313,6 +7804,784 @@
             <p:ph type="title"/>
           </p:nvPr>
         </p:nvSpPr>
+        <p:spPr/>
+        <p:txBody>
+          <a:bodyPr/>
+          <a:lstStyle/>
+          <a:p>
+            <a:r>
+              <a:rPr lang="en-US" dirty="0" smtClean="0"/>
+              <a:t>The New</a:t>
+            </a:r>
+            <a:endParaRPr lang="en-US" dirty="0"/>
+          </a:p>
+        </p:txBody>
+      </p:sp>
+      <p:sp>
+        <p:nvSpPr>
+          <p:cNvPr id="4" name="Text Placeholder 3"/>
+          <p:cNvSpPr>
+            <a:spLocks noGrp="1"/>
+          </p:cNvSpPr>
+          <p:nvPr>
+            <p:ph type="body" sz="quarter" idx="10"/>
+          </p:nvPr>
+        </p:nvSpPr>
+        <p:spPr/>
+        <p:txBody>
+          <a:bodyPr/>
+          <a:lstStyle/>
+          <a:p>
+            <a:r>
+              <a:rPr lang="en-US" dirty="0" smtClean="0"/>
+              <a:t>Flow</a:t>
+            </a:r>
+            <a:endParaRPr lang="en-US" dirty="0"/>
+          </a:p>
+        </p:txBody>
+      </p:sp>
+      <p:sp>
+        <p:nvSpPr>
+          <p:cNvPr id="5" name="TextBox 4"/>
+          <p:cNvSpPr txBox="1"/>
+          <p:nvPr/>
+        </p:nvSpPr>
+        <p:spPr>
+          <a:xfrm>
+            <a:off x="7315200" y="1149531"/>
+            <a:ext cx="184731" cy="369332"/>
+          </a:xfrm>
+          <a:prstGeom prst="rect">
+            <a:avLst/>
+          </a:prstGeom>
+          <a:noFill/>
+        </p:spPr>
+        <p:txBody>
+          <a:bodyPr wrap="none" rtlCol="0">
+            <a:spAutoFit/>
+          </a:bodyPr>
+          <a:lstStyle/>
+          <a:p>
+            <a:endParaRPr lang="en-US" dirty="0"/>
+          </a:p>
+        </p:txBody>
+      </p:sp>
+      <p:pic>
+        <p:nvPicPr>
+          <p:cNvPr id="2050" name="Picture 2" descr="Screen Shot 2015-12-01 at 11.27.58 PM.png"/>
+          <p:cNvPicPr>
+            <a:picLocks noGrp="1" noChangeAspect="1" noChangeArrowheads="1"/>
+          </p:cNvPicPr>
+          <p:nvPr>
+            <p:ph idx="1"/>
+          </p:nvPr>
+        </p:nvPicPr>
+        <p:blipFill>
+          <a:blip r:embed="rId3">
+            <a:extLst>
+              <a:ext uri="{28A0092B-C50C-407E-A947-70E740481C1C}">
+                <a14:useLocalDpi xmlns:a14="http://schemas.microsoft.com/office/drawing/2010/main" val="0"/>
+              </a:ext>
+            </a:extLst>
+          </a:blip>
+          <a:srcRect/>
+          <a:stretch>
+            <a:fillRect/>
+          </a:stretch>
+        </p:blipFill>
+        <p:spPr bwMode="auto">
+          <a:xfrm>
+            <a:off x="671677" y="2133601"/>
+            <a:ext cx="7800646" cy="3809998"/>
+          </a:xfrm>
+          <a:prstGeom prst="rect">
+            <a:avLst/>
+          </a:prstGeom>
+          <a:noFill/>
+          <a:extLst>
+            <a:ext uri="{909E8E84-426E-40DD-AFC4-6F175D3DCCD1}">
+              <a14:hiddenFill xmlns:a14="http://schemas.microsoft.com/office/drawing/2010/main">
+                <a:solidFill>
+                  <a:srgbClr val="FFFFFF"/>
+                </a:solidFill>
+              </a14:hiddenFill>
+            </a:ext>
+          </a:extLst>
+        </p:spPr>
+      </p:pic>
+    </p:spTree>
+    <p:extLst>
+      <p:ext uri="{BB962C8B-B14F-4D97-AF65-F5344CB8AC3E}">
+        <p14:creationId xmlns:p14="http://schemas.microsoft.com/office/powerpoint/2010/main" val="549051764"/>
+      </p:ext>
+    </p:extLst>
+  </p:cSld>
+  <p:clrMapOvr>
+    <a:masterClrMapping/>
+  </p:clrMapOvr>
+  <mc:AlternateContent xmlns:mc="http://schemas.openxmlformats.org/markup-compatibility/2006">
+    <mc:Choice xmlns:p14="http://schemas.microsoft.com/office/powerpoint/2010/main" Requires="p14">
+      <p:transition spd="med" p14:dur="700">
+        <p:fade/>
+      </p:transition>
+    </mc:Choice>
+    <mc:Fallback>
+      <p:transition spd="med">
+        <p:fade/>
+      </p:transition>
+    </mc:Fallback>
+  </mc:AlternateContent>
+</p:sld>
+</file>
+
+<file path=ppt/slides/slide11.xml><?xml version="1.0" encoding="utf-8"?>
+<p:sld xmlns:a="http://schemas.openxmlformats.org/drawingml/2006/main" xmlns:r="http://schemas.openxmlformats.org/officeDocument/2006/relationships" xmlns:p="http://schemas.openxmlformats.org/presentationml/2006/main">
+  <p:cSld>
+    <p:spTree>
+      <p:nvGrpSpPr>
+        <p:cNvPr id="1" name=""/>
+        <p:cNvGrpSpPr/>
+        <p:nvPr/>
+      </p:nvGrpSpPr>
+      <p:grpSpPr>
+        <a:xfrm>
+          <a:off x="0" y="0"/>
+          <a:ext cx="0" cy="0"/>
+          <a:chOff x="0" y="0"/>
+          <a:chExt cx="0" cy="0"/>
+        </a:xfrm>
+      </p:grpSpPr>
+      <p:sp>
+        <p:nvSpPr>
+          <p:cNvPr id="2" name="Title 1"/>
+          <p:cNvSpPr>
+            <a:spLocks noGrp="1"/>
+          </p:cNvSpPr>
+          <p:nvPr>
+            <p:ph type="title"/>
+          </p:nvPr>
+        </p:nvSpPr>
+        <p:spPr/>
+        <p:txBody>
+          <a:bodyPr/>
+          <a:lstStyle/>
+          <a:p>
+            <a:r>
+              <a:rPr lang="en-US" dirty="0" err="1" smtClean="0"/>
+              <a:t>OpenFLow</a:t>
+            </a:r>
+            <a:endParaRPr lang="en-US" dirty="0"/>
+          </a:p>
+        </p:txBody>
+      </p:sp>
+      <p:sp>
+        <p:nvSpPr>
+          <p:cNvPr id="3" name="Text Placeholder 2"/>
+          <p:cNvSpPr>
+            <a:spLocks noGrp="1"/>
+          </p:cNvSpPr>
+          <p:nvPr>
+            <p:ph type="body" sz="quarter" idx="10"/>
+          </p:nvPr>
+        </p:nvSpPr>
+        <p:spPr/>
+        <p:txBody>
+          <a:bodyPr/>
+          <a:lstStyle/>
+          <a:p>
+            <a:endParaRPr lang="en-US" dirty="0"/>
+          </a:p>
+        </p:txBody>
+      </p:sp>
+    </p:spTree>
+    <p:extLst>
+      <p:ext uri="{BB962C8B-B14F-4D97-AF65-F5344CB8AC3E}">
+        <p14:creationId xmlns:p14="http://schemas.microsoft.com/office/powerpoint/2010/main" val="1701871346"/>
+      </p:ext>
+    </p:extLst>
+  </p:cSld>
+  <p:clrMapOvr>
+    <a:masterClrMapping/>
+  </p:clrMapOvr>
+</p:sld>
+</file>
+
+<file path=ppt/slides/slide12.xml><?xml version="1.0" encoding="utf-8"?>
+<p:sld xmlns:a="http://schemas.openxmlformats.org/drawingml/2006/main" xmlns:r="http://schemas.openxmlformats.org/officeDocument/2006/relationships" xmlns:p="http://schemas.openxmlformats.org/presentationml/2006/main">
+  <p:cSld>
+    <p:spTree>
+      <p:nvGrpSpPr>
+        <p:cNvPr id="1" name=""/>
+        <p:cNvGrpSpPr/>
+        <p:nvPr/>
+      </p:nvGrpSpPr>
+      <p:grpSpPr>
+        <a:xfrm>
+          <a:off x="0" y="0"/>
+          <a:ext cx="0" cy="0"/>
+          <a:chOff x="0" y="0"/>
+          <a:chExt cx="0" cy="0"/>
+        </a:xfrm>
+      </p:grpSpPr>
+      <p:sp>
+        <p:nvSpPr>
+          <p:cNvPr id="2" name="Content Placeholder 1"/>
+          <p:cNvSpPr>
+            <a:spLocks noGrp="1"/>
+          </p:cNvSpPr>
+          <p:nvPr>
+            <p:ph idx="1"/>
+          </p:nvPr>
+        </p:nvSpPr>
+        <p:spPr/>
+        <p:txBody>
+          <a:bodyPr/>
+          <a:lstStyle/>
+          <a:p>
+            <a:r>
+              <a:rPr lang="en-US" dirty="0" err="1"/>
+              <a:t>OpenFlow</a:t>
+            </a:r>
+            <a:r>
+              <a:rPr lang="en-US" dirty="0"/>
+              <a:t> is a protocol that allows central SDN server to communicate with individual routers</a:t>
+            </a:r>
+          </a:p>
+        </p:txBody>
+      </p:sp>
+      <p:sp>
+        <p:nvSpPr>
+          <p:cNvPr id="3" name="Title 2"/>
+          <p:cNvSpPr>
+            <a:spLocks noGrp="1"/>
+          </p:cNvSpPr>
+          <p:nvPr>
+            <p:ph type="title"/>
+          </p:nvPr>
+        </p:nvSpPr>
+        <p:spPr/>
+        <p:txBody>
+          <a:bodyPr/>
+          <a:lstStyle/>
+          <a:p>
+            <a:r>
+              <a:rPr lang="en-US" dirty="0" smtClean="0"/>
+              <a:t>What is </a:t>
+            </a:r>
+            <a:r>
+              <a:rPr lang="en-US" dirty="0" err="1" smtClean="0"/>
+              <a:t>OpenFlow</a:t>
+            </a:r>
+            <a:r>
+              <a:rPr lang="en-US" dirty="0" smtClean="0"/>
+              <a:t>?</a:t>
+            </a:r>
+            <a:endParaRPr lang="en-US" dirty="0"/>
+          </a:p>
+        </p:txBody>
+      </p:sp>
+      <p:sp>
+        <p:nvSpPr>
+          <p:cNvPr id="4" name="Text Placeholder 3"/>
+          <p:cNvSpPr>
+            <a:spLocks noGrp="1"/>
+          </p:cNvSpPr>
+          <p:nvPr>
+            <p:ph type="body" sz="quarter" idx="10"/>
+          </p:nvPr>
+        </p:nvSpPr>
+        <p:spPr/>
+        <p:txBody>
+          <a:bodyPr/>
+          <a:lstStyle/>
+          <a:p>
+            <a:endParaRPr lang="en-US"/>
+          </a:p>
+        </p:txBody>
+      </p:sp>
+    </p:spTree>
+    <p:extLst>
+      <p:ext uri="{BB962C8B-B14F-4D97-AF65-F5344CB8AC3E}">
+        <p14:creationId xmlns:p14="http://schemas.microsoft.com/office/powerpoint/2010/main" val="2845778060"/>
+      </p:ext>
+    </p:extLst>
+  </p:cSld>
+  <p:clrMapOvr>
+    <a:masterClrMapping/>
+  </p:clrMapOvr>
+  <mc:AlternateContent xmlns:mc="http://schemas.openxmlformats.org/markup-compatibility/2006">
+    <mc:Choice xmlns:p14="http://schemas.microsoft.com/office/powerpoint/2010/main" Requires="p14">
+      <p:transition spd="med" p14:dur="700">
+        <p:fade/>
+      </p:transition>
+    </mc:Choice>
+    <mc:Fallback>
+      <p:transition spd="med">
+        <p:fade/>
+      </p:transition>
+    </mc:Fallback>
+  </mc:AlternateContent>
+</p:sld>
+</file>
+
+<file path=ppt/slides/slide13.xml><?xml version="1.0" encoding="utf-8"?>
+<p:sld xmlns:a="http://schemas.openxmlformats.org/drawingml/2006/main" xmlns:r="http://schemas.openxmlformats.org/officeDocument/2006/relationships" xmlns:p="http://schemas.openxmlformats.org/presentationml/2006/main">
+  <p:cSld>
+    <p:spTree>
+      <p:nvGrpSpPr>
+        <p:cNvPr id="1" name=""/>
+        <p:cNvGrpSpPr/>
+        <p:nvPr/>
+      </p:nvGrpSpPr>
+      <p:grpSpPr>
+        <a:xfrm>
+          <a:off x="0" y="0"/>
+          <a:ext cx="0" cy="0"/>
+          <a:chOff x="0" y="0"/>
+          <a:chExt cx="0" cy="0"/>
+        </a:xfrm>
+      </p:grpSpPr>
+      <p:sp>
+        <p:nvSpPr>
+          <p:cNvPr id="2" name="Content Placeholder 1"/>
+          <p:cNvSpPr>
+            <a:spLocks noGrp="1"/>
+          </p:cNvSpPr>
+          <p:nvPr>
+            <p:ph idx="1"/>
+          </p:nvPr>
+        </p:nvSpPr>
+        <p:spPr/>
+        <p:txBody>
+          <a:bodyPr/>
+          <a:lstStyle/>
+          <a:p>
+            <a:r>
+              <a:rPr lang="en-US" dirty="0"/>
+              <a:t>Allows SDN controller to manipulate routers</a:t>
+            </a:r>
+          </a:p>
+          <a:p>
+            <a:r>
+              <a:rPr lang="en-US" dirty="0"/>
+              <a:t>Runs on top of TCP</a:t>
+            </a:r>
+          </a:p>
+          <a:p>
+            <a:r>
+              <a:rPr lang="en-US" dirty="0"/>
+              <a:t>Uses port 6653</a:t>
+            </a:r>
+          </a:p>
+          <a:p>
+            <a:r>
+              <a:rPr lang="en-US" dirty="0"/>
+              <a:t>Routers maintain a flow table</a:t>
+            </a:r>
+          </a:p>
+          <a:p>
+            <a:pPr lvl="1"/>
+            <a:r>
+              <a:rPr lang="en-US" dirty="0"/>
+              <a:t>Forwarding tables populated by the Controller only</a:t>
+            </a:r>
+          </a:p>
+          <a:p>
+            <a:r>
+              <a:rPr lang="en-US" dirty="0"/>
+              <a:t>3 types of message</a:t>
+            </a:r>
+          </a:p>
+          <a:p>
+            <a:pPr lvl="1"/>
+            <a:r>
+              <a:rPr lang="en-US" dirty="0"/>
+              <a:t>Controller-to-switch message</a:t>
+            </a:r>
+          </a:p>
+          <a:p>
+            <a:pPr lvl="1"/>
+            <a:r>
+              <a:rPr lang="en-US" dirty="0"/>
+              <a:t>Asynchronous message</a:t>
+            </a:r>
+          </a:p>
+          <a:p>
+            <a:pPr lvl="1"/>
+            <a:r>
+              <a:rPr lang="en-US" dirty="0"/>
+              <a:t>Symmetric </a:t>
+            </a:r>
+            <a:r>
+              <a:rPr lang="en-US" dirty="0" smtClean="0"/>
+              <a:t>Message</a:t>
+            </a:r>
+            <a:endParaRPr lang="en-US" dirty="0"/>
+          </a:p>
+        </p:txBody>
+      </p:sp>
+      <p:sp>
+        <p:nvSpPr>
+          <p:cNvPr id="3" name="Title 2"/>
+          <p:cNvSpPr>
+            <a:spLocks noGrp="1"/>
+          </p:cNvSpPr>
+          <p:nvPr>
+            <p:ph type="title"/>
+          </p:nvPr>
+        </p:nvSpPr>
+        <p:spPr/>
+        <p:txBody>
+          <a:bodyPr/>
+          <a:lstStyle/>
+          <a:p>
+            <a:r>
+              <a:rPr lang="en-US" dirty="0" err="1" smtClean="0"/>
+              <a:t>OpenFlow</a:t>
+            </a:r>
+            <a:endParaRPr lang="en-US" dirty="0"/>
+          </a:p>
+        </p:txBody>
+      </p:sp>
+      <p:sp>
+        <p:nvSpPr>
+          <p:cNvPr id="4" name="Text Placeholder 3"/>
+          <p:cNvSpPr>
+            <a:spLocks noGrp="1"/>
+          </p:cNvSpPr>
+          <p:nvPr>
+            <p:ph type="body" sz="quarter" idx="10"/>
+          </p:nvPr>
+        </p:nvSpPr>
+        <p:spPr/>
+        <p:txBody>
+          <a:bodyPr/>
+          <a:lstStyle/>
+          <a:p>
+            <a:endParaRPr lang="en-US"/>
+          </a:p>
+        </p:txBody>
+      </p:sp>
+    </p:spTree>
+    <p:extLst>
+      <p:ext uri="{BB962C8B-B14F-4D97-AF65-F5344CB8AC3E}">
+        <p14:creationId xmlns:p14="http://schemas.microsoft.com/office/powerpoint/2010/main" val="2664194773"/>
+      </p:ext>
+    </p:extLst>
+  </p:cSld>
+  <p:clrMapOvr>
+    <a:masterClrMapping/>
+  </p:clrMapOvr>
+  <mc:AlternateContent xmlns:mc="http://schemas.openxmlformats.org/markup-compatibility/2006">
+    <mc:Choice xmlns:p14="http://schemas.microsoft.com/office/powerpoint/2010/main" Requires="p14">
+      <p:transition spd="med" p14:dur="700">
+        <p:fade/>
+      </p:transition>
+    </mc:Choice>
+    <mc:Fallback>
+      <p:transition spd="med">
+        <p:fade/>
+      </p:transition>
+    </mc:Fallback>
+  </mc:AlternateContent>
+</p:sld>
+</file>
+
+<file path=ppt/slides/slide14.xml><?xml version="1.0" encoding="utf-8"?>
+<p:sld xmlns:a="http://schemas.openxmlformats.org/drawingml/2006/main" xmlns:r="http://schemas.openxmlformats.org/officeDocument/2006/relationships" xmlns:p="http://schemas.openxmlformats.org/presentationml/2006/main" show="0">
+  <p:cSld>
+    <p:spTree>
+      <p:nvGrpSpPr>
+        <p:cNvPr id="1" name=""/>
+        <p:cNvGrpSpPr/>
+        <p:nvPr/>
+      </p:nvGrpSpPr>
+      <p:grpSpPr>
+        <a:xfrm>
+          <a:off x="0" y="0"/>
+          <a:ext cx="0" cy="0"/>
+          <a:chOff x="0" y="0"/>
+          <a:chExt cx="0" cy="0"/>
+        </a:xfrm>
+      </p:grpSpPr>
+      <p:sp>
+        <p:nvSpPr>
+          <p:cNvPr id="2" name="Content Placeholder 1"/>
+          <p:cNvSpPr>
+            <a:spLocks noGrp="1"/>
+          </p:cNvSpPr>
+          <p:nvPr>
+            <p:ph idx="1"/>
+          </p:nvPr>
+        </p:nvSpPr>
+        <p:spPr/>
+        <p:txBody>
+          <a:bodyPr/>
+          <a:lstStyle/>
+          <a:p>
+            <a:r>
+              <a:rPr lang="en-US" dirty="0"/>
+              <a:t>Handshake</a:t>
+            </a:r>
+          </a:p>
+          <a:p>
+            <a:pPr lvl="1"/>
+            <a:r>
+              <a:rPr lang="en-US" dirty="0"/>
+              <a:t>sent when TCP connection is established</a:t>
+            </a:r>
+          </a:p>
+          <a:p>
+            <a:pPr lvl="1"/>
+            <a:r>
+              <a:rPr lang="en-US" dirty="0"/>
+              <a:t>prompts switch to send information to controller</a:t>
+            </a:r>
+          </a:p>
+          <a:p>
+            <a:r>
+              <a:rPr lang="en-US" dirty="0"/>
+              <a:t>Modify Flow Entry Message</a:t>
+            </a:r>
+          </a:p>
+          <a:p>
+            <a:pPr lvl="1"/>
+            <a:r>
+              <a:rPr lang="en-US" dirty="0"/>
+              <a:t>Flow table entries can be added, modified, or </a:t>
+            </a:r>
+            <a:r>
+              <a:rPr lang="en-US" dirty="0" smtClean="0"/>
+              <a:t>deleted</a:t>
+            </a:r>
+            <a:endParaRPr lang="en-US" dirty="0"/>
+          </a:p>
+        </p:txBody>
+      </p:sp>
+      <p:sp>
+        <p:nvSpPr>
+          <p:cNvPr id="3" name="Title 2"/>
+          <p:cNvSpPr>
+            <a:spLocks noGrp="1"/>
+          </p:cNvSpPr>
+          <p:nvPr>
+            <p:ph type="title"/>
+          </p:nvPr>
+        </p:nvSpPr>
+        <p:spPr/>
+        <p:txBody>
+          <a:bodyPr/>
+          <a:lstStyle/>
+          <a:p>
+            <a:r>
+              <a:rPr lang="en-US" dirty="0"/>
+              <a:t>Controller-to-Switch messages</a:t>
+            </a:r>
+          </a:p>
+        </p:txBody>
+      </p:sp>
+      <p:sp>
+        <p:nvSpPr>
+          <p:cNvPr id="4" name="Text Placeholder 3"/>
+          <p:cNvSpPr>
+            <a:spLocks noGrp="1"/>
+          </p:cNvSpPr>
+          <p:nvPr>
+            <p:ph type="body" sz="quarter" idx="10"/>
+          </p:nvPr>
+        </p:nvSpPr>
+        <p:spPr/>
+        <p:txBody>
+          <a:bodyPr/>
+          <a:lstStyle/>
+          <a:p>
+            <a:endParaRPr lang="en-US"/>
+          </a:p>
+        </p:txBody>
+      </p:sp>
+    </p:spTree>
+    <p:extLst>
+      <p:ext uri="{BB962C8B-B14F-4D97-AF65-F5344CB8AC3E}">
+        <p14:creationId xmlns:p14="http://schemas.microsoft.com/office/powerpoint/2010/main" val="1511671700"/>
+      </p:ext>
+    </p:extLst>
+  </p:cSld>
+  <p:clrMapOvr>
+    <a:masterClrMapping/>
+  </p:clrMapOvr>
+  <mc:AlternateContent xmlns:mc="http://schemas.openxmlformats.org/markup-compatibility/2006">
+    <mc:Choice xmlns:p14="http://schemas.microsoft.com/office/powerpoint/2010/main" Requires="p14">
+      <p:transition spd="med" p14:dur="700">
+        <p:fade/>
+      </p:transition>
+    </mc:Choice>
+    <mc:Fallback>
+      <p:transition spd="med">
+        <p:fade/>
+      </p:transition>
+    </mc:Fallback>
+  </mc:AlternateContent>
+</p:sld>
+</file>
+
+<file path=ppt/slides/slide15.xml><?xml version="1.0" encoding="utf-8"?>
+<p:sld xmlns:a="http://schemas.openxmlformats.org/drawingml/2006/main" xmlns:r="http://schemas.openxmlformats.org/officeDocument/2006/relationships" xmlns:p="http://schemas.openxmlformats.org/presentationml/2006/main">
+  <p:cSld>
+    <p:spTree>
+      <p:nvGrpSpPr>
+        <p:cNvPr id="1" name=""/>
+        <p:cNvGrpSpPr/>
+        <p:nvPr/>
+      </p:nvGrpSpPr>
+      <p:grpSpPr>
+        <a:xfrm>
+          <a:off x="0" y="0"/>
+          <a:ext cx="0" cy="0"/>
+          <a:chOff x="0" y="0"/>
+          <a:chExt cx="0" cy="0"/>
+        </a:xfrm>
+      </p:grpSpPr>
+      <p:sp>
+        <p:nvSpPr>
+          <p:cNvPr id="3" name="Title 2"/>
+          <p:cNvSpPr>
+            <a:spLocks noGrp="1"/>
+          </p:cNvSpPr>
+          <p:nvPr>
+            <p:ph type="title"/>
+          </p:nvPr>
+        </p:nvSpPr>
+        <p:spPr/>
+        <p:txBody>
+          <a:bodyPr/>
+          <a:lstStyle/>
+          <a:p>
+            <a:r>
+              <a:rPr lang="en-US" dirty="0" smtClean="0"/>
+              <a:t>The New</a:t>
+            </a:r>
+            <a:endParaRPr lang="en-US" dirty="0"/>
+          </a:p>
+        </p:txBody>
+      </p:sp>
+      <p:sp>
+        <p:nvSpPr>
+          <p:cNvPr id="4" name="Text Placeholder 3"/>
+          <p:cNvSpPr>
+            <a:spLocks noGrp="1"/>
+          </p:cNvSpPr>
+          <p:nvPr>
+            <p:ph type="body" sz="quarter" idx="10"/>
+          </p:nvPr>
+        </p:nvSpPr>
+        <p:spPr/>
+        <p:txBody>
+          <a:bodyPr/>
+          <a:lstStyle/>
+          <a:p>
+            <a:r>
+              <a:rPr lang="en-US" dirty="0" smtClean="0"/>
+              <a:t>Flow</a:t>
+            </a:r>
+            <a:endParaRPr lang="en-US" dirty="0"/>
+          </a:p>
+        </p:txBody>
+      </p:sp>
+      <p:pic>
+        <p:nvPicPr>
+          <p:cNvPr id="3076" name="Picture 4" descr="Screen Shot 2015-12-01 at 11.20.35 PM.png"/>
+          <p:cNvPicPr>
+            <a:picLocks noGrp="1" noChangeAspect="1" noChangeArrowheads="1"/>
+          </p:cNvPicPr>
+          <p:nvPr>
+            <p:ph idx="1"/>
+          </p:nvPr>
+        </p:nvPicPr>
+        <p:blipFill>
+          <a:blip r:embed="rId3">
+            <a:extLst>
+              <a:ext uri="{28A0092B-C50C-407E-A947-70E740481C1C}">
+                <a14:useLocalDpi xmlns:a14="http://schemas.microsoft.com/office/drawing/2010/main" val="0"/>
+              </a:ext>
+            </a:extLst>
+          </a:blip>
+          <a:srcRect/>
+          <a:stretch>
+            <a:fillRect/>
+          </a:stretch>
+        </p:blipFill>
+        <p:spPr bwMode="auto">
+          <a:xfrm>
+            <a:off x="1485741" y="1733431"/>
+            <a:ext cx="6172517" cy="4610337"/>
+          </a:xfrm>
+          <a:prstGeom prst="rect">
+            <a:avLst/>
+          </a:prstGeom>
+          <a:noFill/>
+          <a:extLst>
+            <a:ext uri="{909E8E84-426E-40DD-AFC4-6F175D3DCCD1}">
+              <a14:hiddenFill xmlns:a14="http://schemas.microsoft.com/office/drawing/2010/main">
+                <a:solidFill>
+                  <a:srgbClr val="FFFFFF"/>
+                </a:solidFill>
+              </a14:hiddenFill>
+            </a:ext>
+          </a:extLst>
+        </p:spPr>
+      </p:pic>
+    </p:spTree>
+    <p:extLst>
+      <p:ext uri="{BB962C8B-B14F-4D97-AF65-F5344CB8AC3E}">
+        <p14:creationId xmlns:p14="http://schemas.microsoft.com/office/powerpoint/2010/main" val="2437001695"/>
+      </p:ext>
+    </p:extLst>
+  </p:cSld>
+  <p:clrMapOvr>
+    <a:masterClrMapping/>
+  </p:clrMapOvr>
+  <mc:AlternateContent xmlns:mc="http://schemas.openxmlformats.org/markup-compatibility/2006">
+    <mc:Choice xmlns:p14="http://schemas.microsoft.com/office/powerpoint/2010/main" Requires="p14">
+      <p:transition spd="med" p14:dur="700">
+        <p:fade/>
+      </p:transition>
+    </mc:Choice>
+    <mc:Fallback>
+      <p:transition spd="med">
+        <p:fade/>
+      </p:transition>
+    </mc:Fallback>
+  </mc:AlternateContent>
+</p:sld>
+</file>
+
+<file path=ppt/slides/slide16.xml><?xml version="1.0" encoding="utf-8"?>
+<p:sld xmlns:a="http://schemas.openxmlformats.org/drawingml/2006/main" xmlns:r="http://schemas.openxmlformats.org/officeDocument/2006/relationships" xmlns:p="http://schemas.openxmlformats.org/presentationml/2006/main">
+  <p:cSld>
+    <p:spTree>
+      <p:nvGrpSpPr>
+        <p:cNvPr id="1" name=""/>
+        <p:cNvGrpSpPr/>
+        <p:nvPr/>
+      </p:nvGrpSpPr>
+      <p:grpSpPr>
+        <a:xfrm>
+          <a:off x="0" y="0"/>
+          <a:ext cx="0" cy="0"/>
+          <a:chOff x="0" y="0"/>
+          <a:chExt cx="0" cy="0"/>
+        </a:xfrm>
+      </p:grpSpPr>
+      <p:sp>
+        <p:nvSpPr>
+          <p:cNvPr id="3" name="Title 2"/>
+          <p:cNvSpPr>
+            <a:spLocks noGrp="1"/>
+          </p:cNvSpPr>
+          <p:nvPr>
+            <p:ph type="title"/>
+          </p:nvPr>
+        </p:nvSpPr>
         <p:spPr>
           <a:xfrm>
             <a:off x="457200" y="2819400"/>
@@ -5401,6 +8670,127 @@
       </p:grpSpPr>
       <p:sp>
         <p:nvSpPr>
+          <p:cNvPr id="2" name="Content Placeholder 1"/>
+          <p:cNvSpPr>
+            <a:spLocks noGrp="1"/>
+          </p:cNvSpPr>
+          <p:nvPr>
+            <p:ph idx="1"/>
+          </p:nvPr>
+        </p:nvSpPr>
+        <p:spPr/>
+        <p:txBody>
+          <a:bodyPr/>
+          <a:lstStyle/>
+          <a:p>
+            <a:pPr marL="0" indent="0">
+              <a:buNone/>
+            </a:pPr>
+            <a:r>
+              <a:rPr lang="en-US" dirty="0"/>
+              <a:t>Software-Defined Networking, or SDN, is the idea that the physical routers in a network are separated from processes like routing, which happen in a central location</a:t>
+            </a:r>
+            <a:r>
+              <a:rPr lang="en-US" dirty="0" smtClean="0"/>
+              <a:t>.</a:t>
+            </a:r>
+            <a:endParaRPr lang="en-US" dirty="0"/>
+          </a:p>
+        </p:txBody>
+      </p:sp>
+      <p:sp>
+        <p:nvSpPr>
+          <p:cNvPr id="3" name="Title 2"/>
+          <p:cNvSpPr>
+            <a:spLocks noGrp="1"/>
+          </p:cNvSpPr>
+          <p:nvPr>
+            <p:ph type="title"/>
+          </p:nvPr>
+        </p:nvSpPr>
+        <p:spPr/>
+        <p:txBody>
+          <a:bodyPr/>
+          <a:lstStyle/>
+          <a:p>
+            <a:r>
+              <a:rPr lang="en-US" dirty="0"/>
+              <a:t>What is SDN?</a:t>
+            </a:r>
+          </a:p>
+        </p:txBody>
+      </p:sp>
+      <p:sp>
+        <p:nvSpPr>
+          <p:cNvPr id="4" name="Text Placeholder 3"/>
+          <p:cNvSpPr>
+            <a:spLocks noGrp="1"/>
+          </p:cNvSpPr>
+          <p:nvPr>
+            <p:ph type="body" sz="quarter" idx="10"/>
+          </p:nvPr>
+        </p:nvSpPr>
+        <p:spPr/>
+        <p:txBody>
+          <a:bodyPr/>
+          <a:lstStyle/>
+          <a:p>
+            <a:r>
+              <a:rPr lang="en-US" dirty="0"/>
+              <a:t>Software-Defined </a:t>
+            </a:r>
+            <a:r>
+              <a:rPr lang="en-US" dirty="0" smtClean="0"/>
+              <a:t>Networking</a:t>
+            </a:r>
+            <a:endParaRPr lang="en-US" dirty="0"/>
+          </a:p>
+        </p:txBody>
+      </p:sp>
+    </p:spTree>
+    <p:extLst>
+      <p:ext uri="{BB962C8B-B14F-4D97-AF65-F5344CB8AC3E}">
+        <p14:creationId xmlns:p14="http://schemas.microsoft.com/office/powerpoint/2010/main" val="2470858897"/>
+      </p:ext>
+    </p:extLst>
+  </p:cSld>
+  <p:clrMapOvr>
+    <a:masterClrMapping/>
+  </p:clrMapOvr>
+  <mc:AlternateContent xmlns:mc="http://schemas.openxmlformats.org/markup-compatibility/2006">
+    <mc:Choice xmlns:p14="http://schemas.microsoft.com/office/powerpoint/2010/main" Requires="p14">
+      <p:transition spd="med" p14:dur="700">
+        <p:fade/>
+      </p:transition>
+    </mc:Choice>
+    <mc:Fallback>
+      <p:transition spd="med">
+        <p:fade/>
+      </p:transition>
+    </mc:Fallback>
+  </mc:AlternateContent>
+</p:sld>
+</file>
+
+<file path=ppt/slides/slide3.xml><?xml version="1.0" encoding="utf-8"?>
+<p:sld xmlns:a="http://schemas.openxmlformats.org/drawingml/2006/main" xmlns:r="http://schemas.openxmlformats.org/officeDocument/2006/relationships" xmlns:p="http://schemas.openxmlformats.org/presentationml/2006/main">
+  <p:cSld>
+    <p:spTree>
+      <p:nvGrpSpPr>
+        <p:cNvPr id="1" name=""/>
+        <p:cNvGrpSpPr/>
+        <p:nvPr/>
+      </p:nvGrpSpPr>
+      <p:grpSpPr>
+        <a:xfrm>
+          <a:off x="0" y="0"/>
+          <a:ext cx="0" cy="0"/>
+          <a:chOff x="0" y="0"/>
+          <a:chExt cx="0" cy="0"/>
+        </a:xfrm>
+      </p:grpSpPr>
+      <p:sp>
+        <p:nvSpPr>
           <p:cNvPr id="3" name="Title 2"/>
           <p:cNvSpPr>
             <a:spLocks noGrp="1"/>
@@ -5487,116 +8877,6 @@
 </p:sld>
 </file>
 
-<file path=ppt/slides/slide3.xml><?xml version="1.0" encoding="utf-8"?>
-<p:sld xmlns:a="http://schemas.openxmlformats.org/drawingml/2006/main" xmlns:r="http://schemas.openxmlformats.org/officeDocument/2006/relationships" xmlns:p="http://schemas.openxmlformats.org/presentationml/2006/main">
-  <p:cSld>
-    <p:spTree>
-      <p:nvGrpSpPr>
-        <p:cNvPr id="1" name=""/>
-        <p:cNvGrpSpPr/>
-        <p:nvPr/>
-      </p:nvGrpSpPr>
-      <p:grpSpPr>
-        <a:xfrm>
-          <a:off x="0" y="0"/>
-          <a:ext cx="0" cy="0"/>
-          <a:chOff x="0" y="0"/>
-          <a:chExt cx="0" cy="0"/>
-        </a:xfrm>
-      </p:grpSpPr>
-      <p:sp>
-        <p:nvSpPr>
-          <p:cNvPr id="2" name="Content Placeholder 1"/>
-          <p:cNvSpPr>
-            <a:spLocks noGrp="1"/>
-          </p:cNvSpPr>
-          <p:nvPr>
-            <p:ph idx="1"/>
-          </p:nvPr>
-        </p:nvSpPr>
-        <p:spPr/>
-        <p:txBody>
-          <a:bodyPr/>
-          <a:lstStyle/>
-          <a:p>
-            <a:endParaRPr lang="en-US" dirty="0" smtClean="0"/>
-          </a:p>
-          <a:p>
-            <a:endParaRPr lang="en-US" dirty="0"/>
-          </a:p>
-        </p:txBody>
-      </p:sp>
-      <p:sp>
-        <p:nvSpPr>
-          <p:cNvPr id="3" name="Title 2"/>
-          <p:cNvSpPr>
-            <a:spLocks noGrp="1"/>
-          </p:cNvSpPr>
-          <p:nvPr>
-            <p:ph type="title"/>
-          </p:nvPr>
-        </p:nvSpPr>
-        <p:spPr/>
-        <p:txBody>
-          <a:bodyPr/>
-          <a:lstStyle/>
-          <a:p>
-            <a:r>
-              <a:rPr lang="en-US" dirty="0" smtClean="0"/>
-              <a:t>The Old</a:t>
-            </a:r>
-            <a:endParaRPr lang="en-US" dirty="0"/>
-          </a:p>
-        </p:txBody>
-      </p:sp>
-      <p:sp>
-        <p:nvSpPr>
-          <p:cNvPr id="4" name="Text Placeholder 3"/>
-          <p:cNvSpPr>
-            <a:spLocks noGrp="1"/>
-          </p:cNvSpPr>
-          <p:nvPr>
-            <p:ph type="body" sz="quarter" idx="10"/>
-          </p:nvPr>
-        </p:nvSpPr>
-        <p:spPr/>
-        <p:txBody>
-          <a:bodyPr/>
-          <a:lstStyle/>
-          <a:p>
-            <a:r>
-              <a:rPr lang="en-US" dirty="0" smtClean="0"/>
-              <a:t>Does these Things well</a:t>
-            </a:r>
-            <a:endParaRPr lang="en-US" dirty="0"/>
-          </a:p>
-        </p:txBody>
-      </p:sp>
-    </p:spTree>
-    <p:extLst>
-      <p:ext uri="{BB962C8B-B14F-4D97-AF65-F5344CB8AC3E}">
-        <p14:creationId xmlns:p14="http://schemas.microsoft.com/office/powerpoint/2010/main" val="474847322"/>
-      </p:ext>
-    </p:extLst>
-  </p:cSld>
-  <p:clrMapOvr>
-    <a:masterClrMapping/>
-  </p:clrMapOvr>
-  <mc:AlternateContent xmlns:mc="http://schemas.openxmlformats.org/markup-compatibility/2006" xmlns:p14="http://schemas.microsoft.com/office/powerpoint/2010/main">
-    <mc:Choice Requires="p14">
-      <p:transition spd="med" p14:dur="700">
-        <p:fade/>
-      </p:transition>
-    </mc:Choice>
-    <mc:Fallback xmlns="">
-      <p:transition spd="med">
-        <p:fade/>
-      </p:transition>
-    </mc:Fallback>
-  </mc:AlternateContent>
-</p:sld>
-</file>
-
 <file path=ppt/slides/slide4.xml><?xml version="1.0" encoding="utf-8"?>
 <p:sld xmlns:a="http://schemas.openxmlformats.org/drawingml/2006/main" xmlns:r="http://schemas.openxmlformats.org/officeDocument/2006/relationships" xmlns:p="http://schemas.openxmlformats.org/presentationml/2006/main">
   <p:cSld>
@@ -5624,28 +8904,59 @@
             <p:ph idx="1"/>
           </p:nvPr>
         </p:nvSpPr>
-        <p:spPr/>
+        <p:spPr>
+          <a:prstGeom prst="rect">
+            <a:avLst/>
+          </a:prstGeom>
+        </p:spPr>
         <p:txBody>
           <a:bodyPr/>
           <a:lstStyle/>
           <a:p>
             <a:r>
+              <a:rPr lang="en-US" dirty="0"/>
+              <a:t>Decentralized</a:t>
+            </a:r>
+          </a:p>
+          <a:p>
+            <a:pPr lvl="1"/>
+            <a:r>
+              <a:rPr lang="en-US" dirty="0"/>
+              <a:t>No single point of failure</a:t>
+            </a:r>
+          </a:p>
+          <a:p>
+            <a:r>
+              <a:rPr lang="en-US" dirty="0"/>
+              <a:t>Limited Intelligence at the Core of the network</a:t>
+            </a:r>
+          </a:p>
+          <a:p>
+            <a:pPr lvl="1"/>
+            <a:r>
+              <a:rPr lang="en-US" dirty="0"/>
+              <a:t>Scalability</a:t>
+            </a:r>
+          </a:p>
+          <a:p>
+            <a:r>
+              <a:rPr lang="en-US" dirty="0"/>
+              <a:t>All proprietary hardware/software</a:t>
+            </a:r>
+          </a:p>
+          <a:p>
+            <a:pPr lvl="1"/>
+            <a:r>
+              <a:rPr lang="en-US" dirty="0"/>
+              <a:t>Reliable Customer </a:t>
+            </a:r>
+            <a:r>
               <a:rPr lang="en-US" dirty="0" smtClean="0"/>
-              <a:t>Routing Problems</a:t>
-            </a:r>
-          </a:p>
-          <a:p>
-            <a:pPr lvl="1"/>
-            <a:r>
-              <a:rPr lang="en-US" dirty="0" smtClean="0"/>
-              <a:t>Count to infinity</a:t>
-            </a:r>
-          </a:p>
-          <a:p>
-            <a:r>
-              <a:rPr lang="en-US" dirty="0" smtClean="0"/>
-              <a:t>Network Topology</a:t>
-            </a:r>
+              <a:t>Support</a:t>
+            </a:r>
+            <a:endParaRPr lang="en-US" dirty="0" smtClean="0"/>
+          </a:p>
+          <a:p>
             <a:endParaRPr lang="en-US" dirty="0"/>
           </a:p>
         </p:txBody>
@@ -5690,7 +9001,7 @@
           <a:p>
             <a:r>
               <a:rPr lang="en-US" dirty="0" smtClean="0"/>
-              <a:t>Does these Things poorly</a:t>
+              <a:t>Does these Things well</a:t>
             </a:r>
             <a:endParaRPr lang="en-US" dirty="0"/>
           </a:p>
@@ -5699,20 +9010,20 @@
     </p:spTree>
     <p:extLst>
       <p:ext uri="{BB962C8B-B14F-4D97-AF65-F5344CB8AC3E}">
-        <p14:creationId xmlns:p14="http://schemas.microsoft.com/office/powerpoint/2010/main" val="975096366"/>
+        <p14:creationId xmlns:p14="http://schemas.microsoft.com/office/powerpoint/2010/main" val="474847322"/>
       </p:ext>
     </p:extLst>
   </p:cSld>
   <p:clrMapOvr>
     <a:masterClrMapping/>
   </p:clrMapOvr>
-  <mc:AlternateContent xmlns:mc="http://schemas.openxmlformats.org/markup-compatibility/2006" xmlns:p14="http://schemas.microsoft.com/office/powerpoint/2010/main">
-    <mc:Choice Requires="p14">
+  <mc:AlternateContent xmlns:mc="http://schemas.openxmlformats.org/markup-compatibility/2006">
+    <mc:Choice xmlns:p14="http://schemas.microsoft.com/office/powerpoint/2010/main" Requires="p14">
       <p:transition spd="med" p14:dur="700">
         <p:fade/>
       </p:transition>
     </mc:Choice>
-    <mc:Fallback xmlns="">
+    <mc:Fallback>
       <p:transition spd="med">
         <p:fade/>
       </p:transition>
@@ -5748,21 +9059,60 @@
             <p:ph idx="1"/>
           </p:nvPr>
         </p:nvSpPr>
-        <p:spPr>
-          <a:xfrm>
-            <a:off x="1219200" y="2590800"/>
-            <a:ext cx="6629400" cy="2895600"/>
-          </a:xfrm>
-        </p:spPr>
+        <p:spPr/>
         <p:txBody>
           <a:bodyPr/>
           <a:lstStyle/>
           <a:p>
             <a:r>
-              <a:rPr lang="en-US" sz="6000" dirty="0" smtClean="0"/>
-              <a:t>Graphic of networking flow goes here</a:t>
-            </a:r>
-            <a:endParaRPr lang="en-US" sz="6000" dirty="0"/>
+              <a:rPr lang="en-US" dirty="0"/>
+              <a:t>Routing problems</a:t>
+            </a:r>
+          </a:p>
+          <a:p>
+            <a:pPr lvl="1"/>
+            <a:r>
+              <a:rPr lang="en-US" dirty="0"/>
+              <a:t>Count to infinity</a:t>
+            </a:r>
+          </a:p>
+          <a:p>
+            <a:pPr lvl="1"/>
+            <a:r>
+              <a:rPr lang="en-US" dirty="0"/>
+              <a:t>Relatively complex algorithms</a:t>
+            </a:r>
+          </a:p>
+          <a:p>
+            <a:r>
+              <a:rPr lang="en-US" dirty="0"/>
+              <a:t>Network topology</a:t>
+            </a:r>
+          </a:p>
+          <a:p>
+            <a:r>
+              <a:rPr lang="en-US" dirty="0"/>
+              <a:t>Expensive router hardware</a:t>
+            </a:r>
+          </a:p>
+          <a:p>
+            <a:r>
+              <a:rPr lang="en-US" dirty="0"/>
+              <a:t>Hard to update routers</a:t>
+            </a:r>
+          </a:p>
+          <a:p>
+            <a:r>
+              <a:rPr lang="en-US" dirty="0"/>
+              <a:t>All proprietary hardware/software</a:t>
+            </a:r>
+          </a:p>
+          <a:p>
+            <a:pPr lvl="1"/>
+            <a:r>
+              <a:rPr lang="en-US" dirty="0"/>
+              <a:t>Hard to change platforms</a:t>
+            </a:r>
           </a:p>
         </p:txBody>
       </p:sp>
@@ -5806,7 +9156,7 @@
           <a:p>
             <a:r>
               <a:rPr lang="en-US" dirty="0" smtClean="0"/>
-              <a:t>What’s the flow</a:t>
+              <a:t>Does these Things poorly</a:t>
             </a:r>
             <a:endParaRPr lang="en-US" dirty="0"/>
           </a:p>
@@ -5815,7 +9165,7 @@
     </p:spTree>
     <p:extLst>
       <p:ext uri="{BB962C8B-B14F-4D97-AF65-F5344CB8AC3E}">
-        <p14:creationId xmlns:p14="http://schemas.microsoft.com/office/powerpoint/2010/main" val="112388080"/>
+        <p14:creationId xmlns:p14="http://schemas.microsoft.com/office/powerpoint/2010/main" val="975096366"/>
       </p:ext>
     </p:extLst>
   </p:cSld>
@@ -5864,6 +9214,137 @@
             <p:ph type="title"/>
           </p:nvPr>
         </p:nvSpPr>
+        <p:spPr/>
+        <p:txBody>
+          <a:bodyPr/>
+          <a:lstStyle/>
+          <a:p>
+            <a:r>
+              <a:rPr lang="en-US" dirty="0" smtClean="0"/>
+              <a:t>The Old</a:t>
+            </a:r>
+            <a:endParaRPr lang="en-US" dirty="0"/>
+          </a:p>
+        </p:txBody>
+      </p:sp>
+      <p:sp>
+        <p:nvSpPr>
+          <p:cNvPr id="4" name="Text Placeholder 3"/>
+          <p:cNvSpPr>
+            <a:spLocks noGrp="1"/>
+          </p:cNvSpPr>
+          <p:nvPr>
+            <p:ph type="body" sz="quarter" idx="10"/>
+          </p:nvPr>
+        </p:nvSpPr>
+        <p:spPr/>
+        <p:txBody>
+          <a:bodyPr/>
+          <a:lstStyle/>
+          <a:p>
+            <a:r>
+              <a:rPr lang="en-US" dirty="0" smtClean="0"/>
+              <a:t>What’s the flow</a:t>
+            </a:r>
+            <a:endParaRPr lang="en-US" dirty="0"/>
+          </a:p>
+        </p:txBody>
+      </p:sp>
+      <p:pic>
+        <p:nvPicPr>
+          <p:cNvPr id="1026" name="Picture 2" descr="Screen Shot 2015-12-01 at 11.27.03 PM.png"/>
+          <p:cNvPicPr>
+            <a:picLocks noGrp="1" noChangeAspect="1" noChangeArrowheads="1"/>
+          </p:cNvPicPr>
+          <p:nvPr>
+            <p:ph idx="1"/>
+          </p:nvPr>
+        </p:nvPicPr>
+        <p:blipFill>
+          <a:blip r:embed="rId3">
+            <a:extLst>
+              <a:ext uri="{28A0092B-C50C-407E-A947-70E740481C1C}">
+                <a14:useLocalDpi xmlns:a14="http://schemas.microsoft.com/office/drawing/2010/main" val="0"/>
+              </a:ext>
+            </a:extLst>
+          </a:blip>
+          <a:srcRect/>
+          <a:stretch>
+            <a:fillRect/>
+          </a:stretch>
+        </p:blipFill>
+        <p:spPr bwMode="auto">
+          <a:xfrm>
+            <a:off x="670560" y="2209801"/>
+            <a:ext cx="7802880" cy="3657598"/>
+          </a:xfrm>
+          <a:prstGeom prst="rect">
+            <a:avLst/>
+          </a:prstGeom>
+          <a:noFill/>
+          <a:extLst>
+            <a:ext uri="{909E8E84-426E-40DD-AFC4-6F175D3DCCD1}">
+              <a14:hiddenFill xmlns:a14="http://schemas.microsoft.com/office/drawing/2010/main">
+                <a:solidFill>
+                  <a:srgbClr val="FFFFFF"/>
+                </a:solidFill>
+              </a14:hiddenFill>
+            </a:ext>
+          </a:extLst>
+        </p:spPr>
+      </p:pic>
+    </p:spTree>
+    <p:extLst>
+      <p:ext uri="{BB962C8B-B14F-4D97-AF65-F5344CB8AC3E}">
+        <p14:creationId xmlns:p14="http://schemas.microsoft.com/office/powerpoint/2010/main" val="112388080"/>
+      </p:ext>
+    </p:extLst>
+  </p:cSld>
+  <p:clrMapOvr>
+    <a:masterClrMapping/>
+  </p:clrMapOvr>
+  <mc:AlternateContent xmlns:mc="http://schemas.openxmlformats.org/markup-compatibility/2006" xmlns:p14="http://schemas.microsoft.com/office/powerpoint/2010/main">
+    <mc:Choice Requires="p14">
+      <p:transition spd="med" p14:dur="700">
+        <p:fade/>
+      </p:transition>
+    </mc:Choice>
+    <mc:Fallback xmlns="">
+      <p:transition spd="med">
+        <p:fade/>
+      </p:transition>
+    </mc:Fallback>
+  </mc:AlternateContent>
+</p:sld>
+</file>
+
+<file path=ppt/slides/slide7.xml><?xml version="1.0" encoding="utf-8"?>
+<p:sld xmlns:a="http://schemas.openxmlformats.org/drawingml/2006/main" xmlns:r="http://schemas.openxmlformats.org/officeDocument/2006/relationships" xmlns:p="http://schemas.openxmlformats.org/presentationml/2006/main">
+  <p:cSld>
+    <p:spTree>
+      <p:nvGrpSpPr>
+        <p:cNvPr id="1" name=""/>
+        <p:cNvGrpSpPr/>
+        <p:nvPr/>
+      </p:nvGrpSpPr>
+      <p:grpSpPr>
+        <a:xfrm>
+          <a:off x="0" y="0"/>
+          <a:ext cx="0" cy="0"/>
+          <a:chOff x="0" y="0"/>
+          <a:chExt cx="0" cy="0"/>
+        </a:xfrm>
+      </p:grpSpPr>
+      <p:sp>
+        <p:nvSpPr>
+          <p:cNvPr id="3" name="Title 2"/>
+          <p:cNvSpPr>
+            <a:spLocks noGrp="1"/>
+          </p:cNvSpPr>
+          <p:nvPr>
+            <p:ph type="title"/>
+          </p:nvPr>
+        </p:nvSpPr>
         <p:spPr>
           <a:xfrm>
             <a:off x="457200" y="2514600"/>
@@ -5942,129 +9423,6 @@
 </p:sld>
 </file>
 
-<file path=ppt/slides/slide7.xml><?xml version="1.0" encoding="utf-8"?>
-<p:sld xmlns:a="http://schemas.openxmlformats.org/drawingml/2006/main" xmlns:r="http://schemas.openxmlformats.org/officeDocument/2006/relationships" xmlns:p="http://schemas.openxmlformats.org/presentationml/2006/main">
-  <p:cSld>
-    <p:spTree>
-      <p:nvGrpSpPr>
-        <p:cNvPr id="1" name=""/>
-        <p:cNvGrpSpPr/>
-        <p:nvPr/>
-      </p:nvGrpSpPr>
-      <p:grpSpPr>
-        <a:xfrm>
-          <a:off x="0" y="0"/>
-          <a:ext cx="0" cy="0"/>
-          <a:chOff x="0" y="0"/>
-          <a:chExt cx="0" cy="0"/>
-        </a:xfrm>
-      </p:grpSpPr>
-      <p:sp>
-        <p:nvSpPr>
-          <p:cNvPr id="2" name="Content Placeholder 1"/>
-          <p:cNvSpPr>
-            <a:spLocks noGrp="1"/>
-          </p:cNvSpPr>
-          <p:nvPr>
-            <p:ph idx="1"/>
-          </p:nvPr>
-        </p:nvSpPr>
-        <p:spPr/>
-        <p:txBody>
-          <a:bodyPr/>
-          <a:lstStyle/>
-          <a:p>
-            <a:r>
-              <a:rPr lang="en-US" dirty="0" smtClean="0"/>
-              <a:t>Define SDN</a:t>
-            </a:r>
-          </a:p>
-          <a:p>
-            <a:r>
-              <a:rPr lang="en-US" dirty="0" smtClean="0"/>
-              <a:t>Routing</a:t>
-            </a:r>
-          </a:p>
-          <a:p>
-            <a:r>
-              <a:rPr lang="en-US" dirty="0" smtClean="0"/>
-              <a:t>Network Topology</a:t>
-            </a:r>
-            <a:endParaRPr lang="en-US" dirty="0"/>
-          </a:p>
-        </p:txBody>
-      </p:sp>
-      <p:sp>
-        <p:nvSpPr>
-          <p:cNvPr id="3" name="Title 2"/>
-          <p:cNvSpPr>
-            <a:spLocks noGrp="1"/>
-          </p:cNvSpPr>
-          <p:nvPr>
-            <p:ph type="title"/>
-          </p:nvPr>
-        </p:nvSpPr>
-        <p:spPr/>
-        <p:txBody>
-          <a:bodyPr/>
-          <a:lstStyle/>
-          <a:p>
-            <a:r>
-              <a:rPr lang="en-US" dirty="0" smtClean="0"/>
-              <a:t>The New</a:t>
-            </a:r>
-            <a:endParaRPr lang="en-US" dirty="0"/>
-          </a:p>
-        </p:txBody>
-      </p:sp>
-      <p:sp>
-        <p:nvSpPr>
-          <p:cNvPr id="4" name="Text Placeholder 3"/>
-          <p:cNvSpPr>
-            <a:spLocks noGrp="1"/>
-          </p:cNvSpPr>
-          <p:nvPr>
-            <p:ph type="body" sz="quarter" idx="10"/>
-          </p:nvPr>
-        </p:nvSpPr>
-        <p:spPr/>
-        <p:txBody>
-          <a:bodyPr/>
-          <a:lstStyle/>
-          <a:p>
-            <a:r>
-              <a:rPr lang="en-US" dirty="0" smtClean="0"/>
-              <a:t>What’s Does it fix?</a:t>
-            </a:r>
-            <a:endParaRPr lang="en-US" dirty="0"/>
-          </a:p>
-        </p:txBody>
-      </p:sp>
-    </p:spTree>
-    <p:extLst>
-      <p:ext uri="{BB962C8B-B14F-4D97-AF65-F5344CB8AC3E}">
-        <p14:creationId xmlns:p14="http://schemas.microsoft.com/office/powerpoint/2010/main" val="446563186"/>
-      </p:ext>
-    </p:extLst>
-  </p:cSld>
-  <p:clrMapOvr>
-    <a:masterClrMapping/>
-  </p:clrMapOvr>
-  <mc:AlternateContent xmlns:mc="http://schemas.openxmlformats.org/markup-compatibility/2006" xmlns:p14="http://schemas.microsoft.com/office/powerpoint/2010/main">
-    <mc:Choice Requires="p14">
-      <p:transition spd="med" p14:dur="700">
-        <p:fade/>
-      </p:transition>
-    </mc:Choice>
-    <mc:Fallback xmlns="">
-      <p:transition spd="med">
-        <p:fade/>
-      </p:transition>
-    </mc:Fallback>
-  </mc:AlternateContent>
-</p:sld>
-</file>
-
 <file path=ppt/slides/slide8.xml><?xml version="1.0" encoding="utf-8"?>
 <p:sld xmlns:a="http://schemas.openxmlformats.org/drawingml/2006/main" xmlns:r="http://schemas.openxmlformats.org/officeDocument/2006/relationships" xmlns:p="http://schemas.openxmlformats.org/presentationml/2006/main">
   <p:cSld>
@@ -6098,24 +9456,38 @@
           <a:lstStyle/>
           <a:p>
             <a:r>
+              <a:rPr lang="en-US" dirty="0"/>
+              <a:t>Routing</a:t>
+            </a:r>
+          </a:p>
+          <a:p>
+            <a:pPr lvl="1"/>
+            <a:r>
               <a:rPr lang="en-US" dirty="0" smtClean="0"/>
-              <a:t>Single point of failure</a:t>
-            </a:r>
-          </a:p>
-          <a:p>
-            <a:r>
-              <a:rPr lang="en-US" dirty="0" smtClean="0"/>
-              <a:t>Finding a viable, scalable, universal protocol for all switches/ controllers to talk through (currently </a:t>
-            </a:r>
-            <a:r>
-              <a:rPr lang="en-US" dirty="0" err="1" smtClean="0"/>
-              <a:t>OpenFlow</a:t>
-            </a:r>
-            <a:r>
-              <a:rPr lang="en-US" smtClean="0"/>
-              <a:t>, Define it)</a:t>
-            </a:r>
-            <a:endParaRPr lang="en-US" dirty="0"/>
+              <a:t>Relatively </a:t>
+            </a:r>
+            <a:r>
+              <a:rPr lang="en-US" dirty="0"/>
+              <a:t>simple algorithms</a:t>
+            </a:r>
+          </a:p>
+          <a:p>
+            <a:r>
+              <a:rPr lang="en-US" dirty="0"/>
+              <a:t>Global Topology Information</a:t>
+            </a:r>
+          </a:p>
+          <a:p>
+            <a:r>
+              <a:rPr lang="en-US" dirty="0"/>
+              <a:t>Inexpensive router hardware</a:t>
+            </a:r>
+          </a:p>
+          <a:p>
+            <a:r>
+              <a:rPr lang="en-US" dirty="0"/>
+              <a:t>More dynamic changes</a:t>
+            </a:r>
           </a:p>
         </p:txBody>
       </p:sp>
@@ -6159,7 +9531,7 @@
           <a:p>
             <a:r>
               <a:rPr lang="en-US" dirty="0" smtClean="0"/>
-              <a:t>Problems</a:t>
+              <a:t>What’s Does it fix?</a:t>
             </a:r>
             <a:endParaRPr lang="en-US" dirty="0"/>
           </a:p>
@@ -6168,7 +9540,7 @@
     </p:spTree>
     <p:extLst>
       <p:ext uri="{BB962C8B-B14F-4D97-AF65-F5344CB8AC3E}">
-        <p14:creationId xmlns:p14="http://schemas.microsoft.com/office/powerpoint/2010/main" val="1533229067"/>
+        <p14:creationId xmlns:p14="http://schemas.microsoft.com/office/powerpoint/2010/main" val="446563186"/>
       </p:ext>
     </p:extLst>
   </p:cSld>
@@ -6209,12 +9581,12 @@
       </p:grpSpPr>
       <p:sp>
         <p:nvSpPr>
-          <p:cNvPr id="3" name="Title 2"/>
-          <p:cNvSpPr>
-            <a:spLocks noGrp="1"/>
-          </p:cNvSpPr>
-          <p:nvPr>
-            <p:ph type="title"/>
+          <p:cNvPr id="2" name="Content Placeholder 1"/>
+          <p:cNvSpPr>
+            <a:spLocks noGrp="1"/>
+          </p:cNvSpPr>
+          <p:nvPr>
+            <p:ph idx="1"/>
           </p:nvPr>
         </p:nvSpPr>
         <p:spPr/>
@@ -6223,6 +9595,54 @@
           <a:lstStyle/>
           <a:p>
             <a:r>
+              <a:rPr lang="en-US" dirty="0"/>
+              <a:t>Single point of failure</a:t>
+            </a:r>
+          </a:p>
+          <a:p>
+            <a:r>
+              <a:rPr lang="en-US" dirty="0"/>
+              <a:t>Communication/ Universal protocol</a:t>
+            </a:r>
+          </a:p>
+          <a:p>
+            <a:r>
+              <a:rPr lang="en-US" dirty="0"/>
+              <a:t>Scalability</a:t>
+            </a:r>
+          </a:p>
+          <a:p>
+            <a:pPr lvl="1"/>
+            <a:r>
+              <a:rPr lang="en-US" dirty="0"/>
+              <a:t>Can not run the Internet on it</a:t>
+            </a:r>
+          </a:p>
+          <a:p>
+            <a:pPr lvl="1"/>
+            <a:r>
+              <a:rPr lang="en-US" dirty="0"/>
+              <a:t>Limited to intranets</a:t>
+            </a:r>
+          </a:p>
+        </p:txBody>
+      </p:sp>
+      <p:sp>
+        <p:nvSpPr>
+          <p:cNvPr id="3" name="Title 2"/>
+          <p:cNvSpPr>
+            <a:spLocks noGrp="1"/>
+          </p:cNvSpPr>
+          <p:nvPr>
+            <p:ph type="title"/>
+          </p:nvPr>
+        </p:nvSpPr>
+        <p:spPr/>
+        <p:txBody>
+          <a:bodyPr/>
+          <a:lstStyle/>
+          <a:p>
+            <a:r>
               <a:rPr lang="en-US" dirty="0" smtClean="0"/>
               <a:t>The New</a:t>
             </a:r>
@@ -6247,70 +9667,16 @@
           <a:p>
             <a:r>
               <a:rPr lang="en-US" dirty="0" smtClean="0"/>
-              <a:t>Flow</a:t>
+              <a:t>Problems</a:t>
             </a:r>
             <a:endParaRPr lang="en-US" dirty="0"/>
-          </a:p>
-        </p:txBody>
-      </p:sp>
-      <p:sp>
-        <p:nvSpPr>
-          <p:cNvPr id="5" name="TextBox 4"/>
-          <p:cNvSpPr txBox="1"/>
-          <p:nvPr/>
-        </p:nvSpPr>
-        <p:spPr>
-          <a:xfrm>
-            <a:off x="7315200" y="1149531"/>
-            <a:ext cx="184731" cy="369332"/>
-          </a:xfrm>
-          <a:prstGeom prst="rect">
-            <a:avLst/>
-          </a:prstGeom>
-          <a:noFill/>
-        </p:spPr>
-        <p:txBody>
-          <a:bodyPr wrap="none" rtlCol="0">
-            <a:spAutoFit/>
-          </a:bodyPr>
-          <a:lstStyle/>
-          <a:p>
-            <a:endParaRPr lang="en-US" dirty="0"/>
-          </a:p>
-        </p:txBody>
-      </p:sp>
-      <p:sp>
-        <p:nvSpPr>
-          <p:cNvPr id="6" name="Content Placeholder 1"/>
-          <p:cNvSpPr>
-            <a:spLocks noGrp="1"/>
-          </p:cNvSpPr>
-          <p:nvPr>
-            <p:ph idx="1"/>
-          </p:nvPr>
-        </p:nvSpPr>
-        <p:spPr>
-          <a:xfrm>
-            <a:off x="1219200" y="2590800"/>
-            <a:ext cx="6629400" cy="2895600"/>
-          </a:xfrm>
-        </p:spPr>
-        <p:txBody>
-          <a:bodyPr/>
-          <a:lstStyle/>
-          <a:p>
-            <a:r>
-              <a:rPr lang="en-US" sz="6000" dirty="0" smtClean="0"/>
-              <a:t>Graphic of networking flow goes here</a:t>
-            </a:r>
-            <a:endParaRPr lang="en-US" sz="6000" dirty="0"/>
           </a:p>
         </p:txBody>
       </p:sp>
     </p:spTree>
     <p:extLst>
       <p:ext uri="{BB962C8B-B14F-4D97-AF65-F5344CB8AC3E}">
-        <p14:creationId xmlns:p14="http://schemas.microsoft.com/office/powerpoint/2010/main" val="549051764"/>
+        <p14:creationId xmlns:p14="http://schemas.microsoft.com/office/powerpoint/2010/main" val="1533229067"/>
       </p:ext>
     </p:extLst>
   </p:cSld>
